--- a/Echo_Device/ppts/4_3_2_Multimedia_Videos_and_Related_Data.pptx
+++ b/Echo_Device/ppts/4_3_2_Multimedia_Videos_and_Related_Data.pptx
@@ -1,6 +1,6 @@
 
 <file path=ppt/presentation.xml><?xml version="1.0" encoding="utf-8"?>
-<p:presentation xmlns:a="http://schemas.openxmlformats.org/drawingml/2006/main" xmlns:r="http://schemas.openxmlformats.org/officeDocument/2006/relationships" xmlns:p="http://schemas.openxmlformats.org/presentationml/2006/main" saveSubsetFonts="1" autoCompressPictures="0">
+<p:presentation xmlns:a="http://schemas.openxmlformats.org/drawingml/2006/main" xmlns:r="http://schemas.openxmlformats.org/officeDocument/2006/relationships" xmlns:p="http://schemas.openxmlformats.org/presentationml/2006/main" saveSubsetFonts="1">
   <p:sldMasterIdLst>
     <p:sldMasterId id="2147483648" r:id="rId1"/>
   </p:sldMasterIdLst>
@@ -29,7 +29,7 @@
   <p:notesSz cx="6858000" cy="9144000"/>
   <p:defaultTextStyle>
     <a:defPPr>
-      <a:defRPr lang="en-PK"/>
+      <a:defRPr lang="en-US"/>
     </a:defPPr>
     <a:lvl1pPr marL="0" algn="l" defTabSz="914400" rtl="0" eaLnBrk="1" latinLnBrk="0" hangingPunct="1">
       <a:defRPr sz="1800" kern="1200">
@@ -179,7 +179,7 @@
             </a:lvl1pPr>
           </a:lstStyle>
           <a:p>
-            <a:endParaRPr lang="en-PK"/>
+            <a:endParaRPr lang="en-US"/>
           </a:p>
         </p:txBody>
       </p:sp>
@@ -210,11 +210,11 @@
             </a:lvl1pPr>
           </a:lstStyle>
           <a:p>
-            <a:fld id="{5CA31079-2B62-6B48-86EC-1D5D1E6DCE4D}" type="datetimeFigureOut">
-              <a:rPr lang="en-PK" smtClean="0"/>
-              <a:t>19/12/2023</a:t>
+            <a:fld id="{EE41F6E3-57F9-402E-BDBA-5B2DE11C8530}" type="datetimeFigureOut">
+              <a:rPr lang="en-US" smtClean="0"/>
+              <a:t>12/25/23</a:t>
             </a:fld>
-            <a:endParaRPr lang="en-PK"/>
+            <a:endParaRPr lang="en-US"/>
           </a:p>
         </p:txBody>
       </p:sp>
@@ -247,7 +247,7 @@
           <a:bodyPr vert="horz" lIns="91440" tIns="45720" rIns="91440" bIns="45720" rtlCol="0" anchor="ctr"/>
           <a:lstStyle/>
           <a:p>
-            <a:endParaRPr lang="en-PK"/>
+            <a:endParaRPr lang="en-US"/>
           </a:p>
         </p:txBody>
       </p:sp>
@@ -276,38 +276,37 @@
           <a:p>
             <a:pPr lvl="0"/>
             <a:r>
-              <a:rPr lang="en-GB"/>
+              <a:rPr lang="en-US"/>
               <a:t>Click to edit Master text styles</a:t>
             </a:r>
           </a:p>
           <a:p>
             <a:pPr lvl="1"/>
             <a:r>
-              <a:rPr lang="en-GB"/>
+              <a:rPr lang="en-US"/>
               <a:t>Second level</a:t>
             </a:r>
           </a:p>
           <a:p>
             <a:pPr lvl="2"/>
             <a:r>
-              <a:rPr lang="en-GB"/>
+              <a:rPr lang="en-US"/>
               <a:t>Third level</a:t>
             </a:r>
           </a:p>
           <a:p>
             <a:pPr lvl="3"/>
             <a:r>
-              <a:rPr lang="en-GB"/>
+              <a:rPr lang="en-US"/>
               <a:t>Fourth level</a:t>
             </a:r>
           </a:p>
           <a:p>
             <a:pPr lvl="4"/>
             <a:r>
-              <a:rPr lang="en-GB"/>
+              <a:rPr lang="en-US"/>
               <a:t>Fifth level</a:t>
             </a:r>
-            <a:endParaRPr lang="en-PK"/>
           </a:p>
         </p:txBody>
       </p:sp>
@@ -338,7 +337,7 @@
             </a:lvl1pPr>
           </a:lstStyle>
           <a:p>
-            <a:endParaRPr lang="en-PK"/>
+            <a:endParaRPr lang="en-US"/>
           </a:p>
         </p:txBody>
       </p:sp>
@@ -369,18 +368,18 @@
             </a:lvl1pPr>
           </a:lstStyle>
           <a:p>
-            <a:fld id="{20FB55D4-AF4A-7C47-B9EC-8F83BED0D7E8}" type="slidenum">
-              <a:rPr lang="en-PK" smtClean="0"/>
+            <a:fld id="{DDBF98C7-164A-4723-84F0-B1E4B080DDEC}" type="slidenum">
+              <a:rPr lang="en-US" smtClean="0"/>
               <a:t>‹#›</a:t>
             </a:fld>
-            <a:endParaRPr lang="en-PK"/>
+            <a:endParaRPr lang="en-US"/>
           </a:p>
         </p:txBody>
       </p:sp>
     </p:spTree>
     <p:extLst>
       <p:ext uri="{BB962C8B-B14F-4D97-AF65-F5344CB8AC3E}">
-        <p14:creationId xmlns:p14="http://schemas.microsoft.com/office/powerpoint/2010/main" val="3409780261"/>
+        <p14:creationId xmlns:p14="http://schemas.microsoft.com/office/powerpoint/2010/main" val="3424527398"/>
       </p:ext>
     </p:extLst>
   </p:cSld>
@@ -1675,13 +1674,7 @@
       </p:grpSpPr>
       <p:sp>
         <p:nvSpPr>
-          <p:cNvPr id="2" name="Title 1">
-            <a:extLst>
-              <a:ext uri="{FF2B5EF4-FFF2-40B4-BE49-F238E27FC236}">
-                <a16:creationId xmlns:a16="http://schemas.microsoft.com/office/drawing/2014/main" id="{41A98138-BCA8-5B16-A235-E1F820F4B064}"/>
-              </a:ext>
-            </a:extLst>
-          </p:cNvPr>
+          <p:cNvPr id="2" name="Title 1"/>
           <p:cNvSpPr>
             <a:spLocks noGrp="1"/>
           </p:cNvSpPr>
@@ -1704,22 +1697,15 @@
           </a:lstStyle>
           <a:p>
             <a:r>
-              <a:rPr lang="en-GB"/>
+              <a:rPr lang="en-US"/>
               <a:t>Click to edit Master title style</a:t>
             </a:r>
-            <a:endParaRPr lang="en-PK"/>
-          </a:p>
-        </p:txBody>
-      </p:sp>
-      <p:sp>
-        <p:nvSpPr>
-          <p:cNvPr id="3" name="Subtitle 2">
-            <a:extLst>
-              <a:ext uri="{FF2B5EF4-FFF2-40B4-BE49-F238E27FC236}">
-                <a16:creationId xmlns:a16="http://schemas.microsoft.com/office/drawing/2014/main" id="{812CBCE1-AA2B-3F2A-20E1-8929706C5BEC}"/>
-              </a:ext>
-            </a:extLst>
-          </p:cNvPr>
+          </a:p>
+        </p:txBody>
+      </p:sp>
+      <p:sp>
+        <p:nvSpPr>
+          <p:cNvPr id="3" name="Subtitle 2"/>
           <p:cNvSpPr>
             <a:spLocks noGrp="1"/>
           </p:cNvSpPr>
@@ -1775,22 +1761,15 @@
           </a:lstStyle>
           <a:p>
             <a:r>
-              <a:rPr lang="en-GB"/>
+              <a:rPr lang="en-US"/>
               <a:t>Click to edit Master subtitle style</a:t>
             </a:r>
-            <a:endParaRPr lang="en-PK"/>
-          </a:p>
-        </p:txBody>
-      </p:sp>
-      <p:sp>
-        <p:nvSpPr>
-          <p:cNvPr id="4" name="Date Placeholder 3">
-            <a:extLst>
-              <a:ext uri="{FF2B5EF4-FFF2-40B4-BE49-F238E27FC236}">
-                <a16:creationId xmlns:a16="http://schemas.microsoft.com/office/drawing/2014/main" id="{435D1E1D-D0CE-3029-D075-BB30DA568AF2}"/>
-              </a:ext>
-            </a:extLst>
-          </p:cNvPr>
+          </a:p>
+        </p:txBody>
+      </p:sp>
+      <p:sp>
+        <p:nvSpPr>
+          <p:cNvPr id="4" name="Date Placeholder 3"/>
           <p:cNvSpPr>
             <a:spLocks noGrp="1"/>
           </p:cNvSpPr>
@@ -1803,23 +1782,17 @@
           <a:bodyPr/>
           <a:lstStyle/>
           <a:p>
-            <a:fld id="{C0317865-E505-D347-8D74-B387E5443778}" type="datetimeFigureOut">
-              <a:rPr lang="en-PK" smtClean="0"/>
-              <a:t>19/12/2023</a:t>
+            <a:fld id="{41259AFC-504E-1C4E-B6EF-55A9A474ECB1}" type="datetime1">
+              <a:rPr lang="en-US" smtClean="0"/>
+              <a:t>12/25/23</a:t>
             </a:fld>
-            <a:endParaRPr lang="en-PK"/>
-          </a:p>
-        </p:txBody>
-      </p:sp>
-      <p:sp>
-        <p:nvSpPr>
-          <p:cNvPr id="5" name="Footer Placeholder 4">
-            <a:extLst>
-              <a:ext uri="{FF2B5EF4-FFF2-40B4-BE49-F238E27FC236}">
-                <a16:creationId xmlns:a16="http://schemas.microsoft.com/office/drawing/2014/main" id="{2240F16F-67CF-CBC9-44FA-757EDDEE689A}"/>
-              </a:ext>
-            </a:extLst>
-          </p:cNvPr>
+            <a:endParaRPr lang="en-US"/>
+          </a:p>
+        </p:txBody>
+      </p:sp>
+      <p:sp>
+        <p:nvSpPr>
+          <p:cNvPr id="5" name="Footer Placeholder 4"/>
           <p:cNvSpPr>
             <a:spLocks noGrp="1"/>
           </p:cNvSpPr>
@@ -1832,19 +1805,13 @@
           <a:bodyPr/>
           <a:lstStyle/>
           <a:p>
-            <a:endParaRPr lang="en-PK"/>
-          </a:p>
-        </p:txBody>
-      </p:sp>
-      <p:sp>
-        <p:nvSpPr>
-          <p:cNvPr id="6" name="Slide Number Placeholder 5">
-            <a:extLst>
-              <a:ext uri="{FF2B5EF4-FFF2-40B4-BE49-F238E27FC236}">
-                <a16:creationId xmlns:a16="http://schemas.microsoft.com/office/drawing/2014/main" id="{24386EBD-6A31-F19B-5AD8-2F36F9EA99CA}"/>
-              </a:ext>
-            </a:extLst>
-          </p:cNvPr>
+            <a:endParaRPr lang="en-US"/>
+          </a:p>
+        </p:txBody>
+      </p:sp>
+      <p:sp>
+        <p:nvSpPr>
+          <p:cNvPr id="6" name="Slide Number Placeholder 5"/>
           <p:cNvSpPr>
             <a:spLocks noGrp="1"/>
           </p:cNvSpPr>
@@ -1852,23 +1819,28 @@
             <p:ph type="sldNum" sz="quarter" idx="12"/>
           </p:nvPr>
         </p:nvSpPr>
-        <p:spPr/>
-        <p:txBody>
-          <a:bodyPr/>
-          <a:lstStyle/>
-          <a:p>
-            <a:fld id="{646ABFDF-6077-E949-82C3-32188A55E268}" type="slidenum">
-              <a:rPr lang="en-PK" smtClean="0"/>
+        <p:spPr>
+          <a:xfrm>
+            <a:off x="8610600" y="6356350"/>
+            <a:ext cx="2766646" cy="365125"/>
+          </a:xfrm>
+        </p:spPr>
+        <p:txBody>
+          <a:bodyPr/>
+          <a:lstStyle/>
+          <a:p>
+            <a:fld id="{3FE6F5B0-BCF1-4291-802C-4ED5F9057036}" type="slidenum">
+              <a:rPr lang="en-US" smtClean="0"/>
               <a:t>‹#›</a:t>
             </a:fld>
-            <a:endParaRPr lang="en-PK"/>
+            <a:endParaRPr lang="en-US" dirty="0"/>
           </a:p>
         </p:txBody>
       </p:sp>
     </p:spTree>
     <p:extLst>
       <p:ext uri="{BB962C8B-B14F-4D97-AF65-F5344CB8AC3E}">
-        <p14:creationId xmlns:p14="http://schemas.microsoft.com/office/powerpoint/2010/main" val="2239679020"/>
+        <p14:creationId xmlns:p14="http://schemas.microsoft.com/office/powerpoint/2010/main" val="821171414"/>
       </p:ext>
     </p:extLst>
   </p:cSld>
@@ -1897,13 +1869,7 @@
       </p:grpSpPr>
       <p:sp>
         <p:nvSpPr>
-          <p:cNvPr id="2" name="Title 1">
-            <a:extLst>
-              <a:ext uri="{FF2B5EF4-FFF2-40B4-BE49-F238E27FC236}">
-                <a16:creationId xmlns:a16="http://schemas.microsoft.com/office/drawing/2014/main" id="{5E6E17E5-C5C1-07EB-2793-DE5285B85D0A}"/>
-              </a:ext>
-            </a:extLst>
-          </p:cNvPr>
+          <p:cNvPr id="2" name="Title 1"/>
           <p:cNvSpPr>
             <a:spLocks noGrp="1"/>
           </p:cNvSpPr>
@@ -1917,22 +1883,15 @@
           <a:lstStyle/>
           <a:p>
             <a:r>
-              <a:rPr lang="en-GB"/>
+              <a:rPr lang="en-US"/>
               <a:t>Click to edit Master title style</a:t>
             </a:r>
-            <a:endParaRPr lang="en-PK"/>
-          </a:p>
-        </p:txBody>
-      </p:sp>
-      <p:sp>
-        <p:nvSpPr>
-          <p:cNvPr id="3" name="Vertical Text Placeholder 2">
-            <a:extLst>
-              <a:ext uri="{FF2B5EF4-FFF2-40B4-BE49-F238E27FC236}">
-                <a16:creationId xmlns:a16="http://schemas.microsoft.com/office/drawing/2014/main" id="{E10AB33F-E2EF-8916-B7CF-AFF041166716}"/>
-              </a:ext>
-            </a:extLst>
-          </p:cNvPr>
+          </a:p>
+        </p:txBody>
+      </p:sp>
+      <p:sp>
+        <p:nvSpPr>
+          <p:cNvPr id="3" name="Vertical Text Placeholder 2"/>
           <p:cNvSpPr>
             <a:spLocks noGrp="1"/>
           </p:cNvSpPr>
@@ -1947,50 +1906,43 @@
           <a:p>
             <a:pPr lvl="0"/>
             <a:r>
-              <a:rPr lang="en-GB"/>
+              <a:rPr lang="en-US"/>
               <a:t>Click to edit Master text styles</a:t>
             </a:r>
           </a:p>
           <a:p>
             <a:pPr lvl="1"/>
             <a:r>
-              <a:rPr lang="en-GB"/>
+              <a:rPr lang="en-US"/>
               <a:t>Second level</a:t>
             </a:r>
           </a:p>
           <a:p>
             <a:pPr lvl="2"/>
             <a:r>
-              <a:rPr lang="en-GB"/>
+              <a:rPr lang="en-US"/>
               <a:t>Third level</a:t>
             </a:r>
           </a:p>
           <a:p>
             <a:pPr lvl="3"/>
             <a:r>
-              <a:rPr lang="en-GB"/>
+              <a:rPr lang="en-US"/>
               <a:t>Fourth level</a:t>
             </a:r>
           </a:p>
           <a:p>
             <a:pPr lvl="4"/>
             <a:r>
-              <a:rPr lang="en-GB"/>
+              <a:rPr lang="en-US"/>
               <a:t>Fifth level</a:t>
             </a:r>
-            <a:endParaRPr lang="en-PK"/>
-          </a:p>
-        </p:txBody>
-      </p:sp>
-      <p:sp>
-        <p:nvSpPr>
-          <p:cNvPr id="4" name="Date Placeholder 3">
-            <a:extLst>
-              <a:ext uri="{FF2B5EF4-FFF2-40B4-BE49-F238E27FC236}">
-                <a16:creationId xmlns:a16="http://schemas.microsoft.com/office/drawing/2014/main" id="{EFCE2E43-FE25-F7BB-F989-D8A7117621AB}"/>
-              </a:ext>
-            </a:extLst>
-          </p:cNvPr>
+          </a:p>
+        </p:txBody>
+      </p:sp>
+      <p:sp>
+        <p:nvSpPr>
+          <p:cNvPr id="4" name="Date Placeholder 3"/>
           <p:cNvSpPr>
             <a:spLocks noGrp="1"/>
           </p:cNvSpPr>
@@ -2003,23 +1955,17 @@
           <a:bodyPr/>
           <a:lstStyle/>
           <a:p>
-            <a:fld id="{C0317865-E505-D347-8D74-B387E5443778}" type="datetimeFigureOut">
-              <a:rPr lang="en-PK" smtClean="0"/>
-              <a:t>19/12/2023</a:t>
+            <a:fld id="{D0F9DBC4-577B-D840-8CA5-93F4B76C0210}" type="datetime1">
+              <a:rPr lang="en-US" smtClean="0"/>
+              <a:t>12/25/23</a:t>
             </a:fld>
-            <a:endParaRPr lang="en-PK"/>
-          </a:p>
-        </p:txBody>
-      </p:sp>
-      <p:sp>
-        <p:nvSpPr>
-          <p:cNvPr id="5" name="Footer Placeholder 4">
-            <a:extLst>
-              <a:ext uri="{FF2B5EF4-FFF2-40B4-BE49-F238E27FC236}">
-                <a16:creationId xmlns:a16="http://schemas.microsoft.com/office/drawing/2014/main" id="{67C54DB6-2655-DBB8-01FB-DC04E47E6CCA}"/>
-              </a:ext>
-            </a:extLst>
-          </p:cNvPr>
+            <a:endParaRPr lang="en-US"/>
+          </a:p>
+        </p:txBody>
+      </p:sp>
+      <p:sp>
+        <p:nvSpPr>
+          <p:cNvPr id="5" name="Footer Placeholder 4"/>
           <p:cNvSpPr>
             <a:spLocks noGrp="1"/>
           </p:cNvSpPr>
@@ -2032,19 +1978,13 @@
           <a:bodyPr/>
           <a:lstStyle/>
           <a:p>
-            <a:endParaRPr lang="en-PK"/>
-          </a:p>
-        </p:txBody>
-      </p:sp>
-      <p:sp>
-        <p:nvSpPr>
-          <p:cNvPr id="6" name="Slide Number Placeholder 5">
-            <a:extLst>
-              <a:ext uri="{FF2B5EF4-FFF2-40B4-BE49-F238E27FC236}">
-                <a16:creationId xmlns:a16="http://schemas.microsoft.com/office/drawing/2014/main" id="{C60D0478-519C-03B7-CADA-51C0A7AA3FE3}"/>
-              </a:ext>
-            </a:extLst>
-          </p:cNvPr>
+            <a:endParaRPr lang="en-US"/>
+          </a:p>
+        </p:txBody>
+      </p:sp>
+      <p:sp>
+        <p:nvSpPr>
+          <p:cNvPr id="6" name="Slide Number Placeholder 5"/>
           <p:cNvSpPr>
             <a:spLocks noGrp="1"/>
           </p:cNvSpPr>
@@ -2057,18 +1997,18 @@
           <a:bodyPr/>
           <a:lstStyle/>
           <a:p>
-            <a:fld id="{646ABFDF-6077-E949-82C3-32188A55E268}" type="slidenum">
-              <a:rPr lang="en-PK" smtClean="0"/>
+            <a:fld id="{3FE6F5B0-BCF1-4291-802C-4ED5F9057036}" type="slidenum">
+              <a:rPr lang="en-US" smtClean="0"/>
               <a:t>‹#›</a:t>
             </a:fld>
-            <a:endParaRPr lang="en-PK"/>
+            <a:endParaRPr lang="en-US"/>
           </a:p>
         </p:txBody>
       </p:sp>
     </p:spTree>
     <p:extLst>
       <p:ext uri="{BB962C8B-B14F-4D97-AF65-F5344CB8AC3E}">
-        <p14:creationId xmlns:p14="http://schemas.microsoft.com/office/powerpoint/2010/main" val="2641689834"/>
+        <p14:creationId xmlns:p14="http://schemas.microsoft.com/office/powerpoint/2010/main" val="3176965188"/>
       </p:ext>
     </p:extLst>
   </p:cSld>
@@ -2097,13 +2037,7 @@
       </p:grpSpPr>
       <p:sp>
         <p:nvSpPr>
-          <p:cNvPr id="2" name="Vertical Title 1">
-            <a:extLst>
-              <a:ext uri="{FF2B5EF4-FFF2-40B4-BE49-F238E27FC236}">
-                <a16:creationId xmlns:a16="http://schemas.microsoft.com/office/drawing/2014/main" id="{FCCE574B-4B84-CEA6-CB0C-69111B6C794F}"/>
-              </a:ext>
-            </a:extLst>
-          </p:cNvPr>
+          <p:cNvPr id="2" name="Vertical Title 1"/>
           <p:cNvSpPr>
             <a:spLocks noGrp="1"/>
           </p:cNvSpPr>
@@ -2122,22 +2056,15 @@
           <a:lstStyle/>
           <a:p>
             <a:r>
-              <a:rPr lang="en-GB"/>
+              <a:rPr lang="en-US"/>
               <a:t>Click to edit Master title style</a:t>
             </a:r>
-            <a:endParaRPr lang="en-PK"/>
-          </a:p>
-        </p:txBody>
-      </p:sp>
-      <p:sp>
-        <p:nvSpPr>
-          <p:cNvPr id="3" name="Vertical Text Placeholder 2">
-            <a:extLst>
-              <a:ext uri="{FF2B5EF4-FFF2-40B4-BE49-F238E27FC236}">
-                <a16:creationId xmlns:a16="http://schemas.microsoft.com/office/drawing/2014/main" id="{F4C36FB7-9825-DC8D-B2F3-C762FF4F6A5A}"/>
-              </a:ext>
-            </a:extLst>
-          </p:cNvPr>
+          </a:p>
+        </p:txBody>
+      </p:sp>
+      <p:sp>
+        <p:nvSpPr>
+          <p:cNvPr id="3" name="Vertical Text Placeholder 2"/>
           <p:cNvSpPr>
             <a:spLocks noGrp="1"/>
           </p:cNvSpPr>
@@ -2157,50 +2084,43 @@
           <a:p>
             <a:pPr lvl="0"/>
             <a:r>
-              <a:rPr lang="en-GB"/>
+              <a:rPr lang="en-US"/>
               <a:t>Click to edit Master text styles</a:t>
             </a:r>
           </a:p>
           <a:p>
             <a:pPr lvl="1"/>
             <a:r>
-              <a:rPr lang="en-GB"/>
+              <a:rPr lang="en-US"/>
               <a:t>Second level</a:t>
             </a:r>
           </a:p>
           <a:p>
             <a:pPr lvl="2"/>
             <a:r>
-              <a:rPr lang="en-GB"/>
+              <a:rPr lang="en-US"/>
               <a:t>Third level</a:t>
             </a:r>
           </a:p>
           <a:p>
             <a:pPr lvl="3"/>
             <a:r>
-              <a:rPr lang="en-GB"/>
+              <a:rPr lang="en-US"/>
               <a:t>Fourth level</a:t>
             </a:r>
           </a:p>
           <a:p>
             <a:pPr lvl="4"/>
             <a:r>
-              <a:rPr lang="en-GB"/>
+              <a:rPr lang="en-US"/>
               <a:t>Fifth level</a:t>
             </a:r>
-            <a:endParaRPr lang="en-PK"/>
-          </a:p>
-        </p:txBody>
-      </p:sp>
-      <p:sp>
-        <p:nvSpPr>
-          <p:cNvPr id="4" name="Date Placeholder 3">
-            <a:extLst>
-              <a:ext uri="{FF2B5EF4-FFF2-40B4-BE49-F238E27FC236}">
-                <a16:creationId xmlns:a16="http://schemas.microsoft.com/office/drawing/2014/main" id="{C3671F71-82F3-07DB-5A84-465AC6C99392}"/>
-              </a:ext>
-            </a:extLst>
-          </p:cNvPr>
+          </a:p>
+        </p:txBody>
+      </p:sp>
+      <p:sp>
+        <p:nvSpPr>
+          <p:cNvPr id="4" name="Date Placeholder 3"/>
           <p:cNvSpPr>
             <a:spLocks noGrp="1"/>
           </p:cNvSpPr>
@@ -2213,23 +2133,17 @@
           <a:bodyPr/>
           <a:lstStyle/>
           <a:p>
-            <a:fld id="{C0317865-E505-D347-8D74-B387E5443778}" type="datetimeFigureOut">
-              <a:rPr lang="en-PK" smtClean="0"/>
-              <a:t>19/12/2023</a:t>
+            <a:fld id="{227C5582-5046-3E42-BCC7-72ADA1A24621}" type="datetime1">
+              <a:rPr lang="en-US" smtClean="0"/>
+              <a:t>12/25/23</a:t>
             </a:fld>
-            <a:endParaRPr lang="en-PK"/>
-          </a:p>
-        </p:txBody>
-      </p:sp>
-      <p:sp>
-        <p:nvSpPr>
-          <p:cNvPr id="5" name="Footer Placeholder 4">
-            <a:extLst>
-              <a:ext uri="{FF2B5EF4-FFF2-40B4-BE49-F238E27FC236}">
-                <a16:creationId xmlns:a16="http://schemas.microsoft.com/office/drawing/2014/main" id="{11CC17EF-A29D-C3D1-98AC-092A2084BD56}"/>
-              </a:ext>
-            </a:extLst>
-          </p:cNvPr>
+            <a:endParaRPr lang="en-US"/>
+          </a:p>
+        </p:txBody>
+      </p:sp>
+      <p:sp>
+        <p:nvSpPr>
+          <p:cNvPr id="5" name="Footer Placeholder 4"/>
           <p:cNvSpPr>
             <a:spLocks noGrp="1"/>
           </p:cNvSpPr>
@@ -2242,19 +2156,13 @@
           <a:bodyPr/>
           <a:lstStyle/>
           <a:p>
-            <a:endParaRPr lang="en-PK"/>
-          </a:p>
-        </p:txBody>
-      </p:sp>
-      <p:sp>
-        <p:nvSpPr>
-          <p:cNvPr id="6" name="Slide Number Placeholder 5">
-            <a:extLst>
-              <a:ext uri="{FF2B5EF4-FFF2-40B4-BE49-F238E27FC236}">
-                <a16:creationId xmlns:a16="http://schemas.microsoft.com/office/drawing/2014/main" id="{F500049B-1C60-4894-21B8-60C0A4D62DDB}"/>
-              </a:ext>
-            </a:extLst>
-          </p:cNvPr>
+            <a:endParaRPr lang="en-US"/>
+          </a:p>
+        </p:txBody>
+      </p:sp>
+      <p:sp>
+        <p:nvSpPr>
+          <p:cNvPr id="6" name="Slide Number Placeholder 5"/>
           <p:cNvSpPr>
             <a:spLocks noGrp="1"/>
           </p:cNvSpPr>
@@ -2267,18 +2175,18 @@
           <a:bodyPr/>
           <a:lstStyle/>
           <a:p>
-            <a:fld id="{646ABFDF-6077-E949-82C3-32188A55E268}" type="slidenum">
-              <a:rPr lang="en-PK" smtClean="0"/>
+            <a:fld id="{3FE6F5B0-BCF1-4291-802C-4ED5F9057036}" type="slidenum">
+              <a:rPr lang="en-US" smtClean="0"/>
               <a:t>‹#›</a:t>
             </a:fld>
-            <a:endParaRPr lang="en-PK"/>
+            <a:endParaRPr lang="en-US"/>
           </a:p>
         </p:txBody>
       </p:sp>
     </p:spTree>
     <p:extLst>
       <p:ext uri="{BB962C8B-B14F-4D97-AF65-F5344CB8AC3E}">
-        <p14:creationId xmlns:p14="http://schemas.microsoft.com/office/powerpoint/2010/main" val="1492194333"/>
+        <p14:creationId xmlns:p14="http://schemas.microsoft.com/office/powerpoint/2010/main" val="3795900592"/>
       </p:ext>
     </p:extLst>
   </p:cSld>
@@ -2307,13 +2215,7 @@
       </p:grpSpPr>
       <p:sp>
         <p:nvSpPr>
-          <p:cNvPr id="2" name="Title 1">
-            <a:extLst>
-              <a:ext uri="{FF2B5EF4-FFF2-40B4-BE49-F238E27FC236}">
-                <a16:creationId xmlns:a16="http://schemas.microsoft.com/office/drawing/2014/main" id="{D5323499-CEFF-DD2D-3A8E-E8F329120CB3}"/>
-              </a:ext>
-            </a:extLst>
-          </p:cNvPr>
+          <p:cNvPr id="2" name="Title 1"/>
           <p:cNvSpPr>
             <a:spLocks noGrp="1"/>
           </p:cNvSpPr>
@@ -2327,22 +2229,15 @@
           <a:lstStyle/>
           <a:p>
             <a:r>
-              <a:rPr lang="en-GB"/>
+              <a:rPr lang="en-US"/>
               <a:t>Click to edit Master title style</a:t>
             </a:r>
-            <a:endParaRPr lang="en-PK"/>
-          </a:p>
-        </p:txBody>
-      </p:sp>
-      <p:sp>
-        <p:nvSpPr>
-          <p:cNvPr id="3" name="Content Placeholder 2">
-            <a:extLst>
-              <a:ext uri="{FF2B5EF4-FFF2-40B4-BE49-F238E27FC236}">
-                <a16:creationId xmlns:a16="http://schemas.microsoft.com/office/drawing/2014/main" id="{C79DE109-DFC8-9B26-1E9E-1E5E1A158873}"/>
-              </a:ext>
-            </a:extLst>
-          </p:cNvPr>
+          </a:p>
+        </p:txBody>
+      </p:sp>
+      <p:sp>
+        <p:nvSpPr>
+          <p:cNvPr id="3" name="Content Placeholder 2"/>
           <p:cNvSpPr>
             <a:spLocks noGrp="1"/>
           </p:cNvSpPr>
@@ -2357,50 +2252,43 @@
           <a:p>
             <a:pPr lvl="0"/>
             <a:r>
-              <a:rPr lang="en-GB"/>
+              <a:rPr lang="en-US"/>
               <a:t>Click to edit Master text styles</a:t>
             </a:r>
           </a:p>
           <a:p>
             <a:pPr lvl="1"/>
             <a:r>
-              <a:rPr lang="en-GB"/>
+              <a:rPr lang="en-US"/>
               <a:t>Second level</a:t>
             </a:r>
           </a:p>
           <a:p>
             <a:pPr lvl="2"/>
             <a:r>
-              <a:rPr lang="en-GB"/>
+              <a:rPr lang="en-US"/>
               <a:t>Third level</a:t>
             </a:r>
           </a:p>
           <a:p>
             <a:pPr lvl="3"/>
             <a:r>
-              <a:rPr lang="en-GB"/>
+              <a:rPr lang="en-US"/>
               <a:t>Fourth level</a:t>
             </a:r>
           </a:p>
           <a:p>
             <a:pPr lvl="4"/>
             <a:r>
-              <a:rPr lang="en-GB"/>
+              <a:rPr lang="en-US"/>
               <a:t>Fifth level</a:t>
             </a:r>
-            <a:endParaRPr lang="en-PK"/>
-          </a:p>
-        </p:txBody>
-      </p:sp>
-      <p:sp>
-        <p:nvSpPr>
-          <p:cNvPr id="4" name="Date Placeholder 3">
-            <a:extLst>
-              <a:ext uri="{FF2B5EF4-FFF2-40B4-BE49-F238E27FC236}">
-                <a16:creationId xmlns:a16="http://schemas.microsoft.com/office/drawing/2014/main" id="{3C4D550C-F67A-38BE-6A14-A632E9C4458D}"/>
-              </a:ext>
-            </a:extLst>
-          </p:cNvPr>
+          </a:p>
+        </p:txBody>
+      </p:sp>
+      <p:sp>
+        <p:nvSpPr>
+          <p:cNvPr id="4" name="Date Placeholder 3"/>
           <p:cNvSpPr>
             <a:spLocks noGrp="1"/>
           </p:cNvSpPr>
@@ -2413,23 +2301,17 @@
           <a:bodyPr/>
           <a:lstStyle/>
           <a:p>
-            <a:fld id="{C0317865-E505-D347-8D74-B387E5443778}" type="datetimeFigureOut">
-              <a:rPr lang="en-PK" smtClean="0"/>
-              <a:t>19/12/2023</a:t>
+            <a:fld id="{1FD79B34-1669-4741-B0AB-B90F9E524E4C}" type="datetime1">
+              <a:rPr lang="en-US" smtClean="0"/>
+              <a:t>12/25/23</a:t>
             </a:fld>
-            <a:endParaRPr lang="en-PK"/>
-          </a:p>
-        </p:txBody>
-      </p:sp>
-      <p:sp>
-        <p:nvSpPr>
-          <p:cNvPr id="5" name="Footer Placeholder 4">
-            <a:extLst>
-              <a:ext uri="{FF2B5EF4-FFF2-40B4-BE49-F238E27FC236}">
-                <a16:creationId xmlns:a16="http://schemas.microsoft.com/office/drawing/2014/main" id="{DD6A6E7A-32F1-D681-39BE-159BB96133E8}"/>
-              </a:ext>
-            </a:extLst>
-          </p:cNvPr>
+            <a:endParaRPr lang="en-US"/>
+          </a:p>
+        </p:txBody>
+      </p:sp>
+      <p:sp>
+        <p:nvSpPr>
+          <p:cNvPr id="5" name="Footer Placeholder 4"/>
           <p:cNvSpPr>
             <a:spLocks noGrp="1"/>
           </p:cNvSpPr>
@@ -2442,19 +2324,13 @@
           <a:bodyPr/>
           <a:lstStyle/>
           <a:p>
-            <a:endParaRPr lang="en-PK"/>
-          </a:p>
-        </p:txBody>
-      </p:sp>
-      <p:sp>
-        <p:nvSpPr>
-          <p:cNvPr id="6" name="Slide Number Placeholder 5">
-            <a:extLst>
-              <a:ext uri="{FF2B5EF4-FFF2-40B4-BE49-F238E27FC236}">
-                <a16:creationId xmlns:a16="http://schemas.microsoft.com/office/drawing/2014/main" id="{CEAF4F34-B066-F5D0-C95B-4DE3261850D2}"/>
-              </a:ext>
-            </a:extLst>
-          </p:cNvPr>
+            <a:endParaRPr lang="en-US"/>
+          </a:p>
+        </p:txBody>
+      </p:sp>
+      <p:sp>
+        <p:nvSpPr>
+          <p:cNvPr id="6" name="Slide Number Placeholder 5"/>
           <p:cNvSpPr>
             <a:spLocks noGrp="1"/>
           </p:cNvSpPr>
@@ -2467,18 +2343,18 @@
           <a:bodyPr/>
           <a:lstStyle/>
           <a:p>
-            <a:fld id="{646ABFDF-6077-E949-82C3-32188A55E268}" type="slidenum">
-              <a:rPr lang="en-PK" smtClean="0"/>
+            <a:fld id="{3FE6F5B0-BCF1-4291-802C-4ED5F9057036}" type="slidenum">
+              <a:rPr lang="en-US" smtClean="0"/>
               <a:t>‹#›</a:t>
             </a:fld>
-            <a:endParaRPr lang="en-PK"/>
+            <a:endParaRPr lang="en-US"/>
           </a:p>
         </p:txBody>
       </p:sp>
     </p:spTree>
     <p:extLst>
       <p:ext uri="{BB962C8B-B14F-4D97-AF65-F5344CB8AC3E}">
-        <p14:creationId xmlns:p14="http://schemas.microsoft.com/office/powerpoint/2010/main" val="1141195307"/>
+        <p14:creationId xmlns:p14="http://schemas.microsoft.com/office/powerpoint/2010/main" val="3430622656"/>
       </p:ext>
     </p:extLst>
   </p:cSld>
@@ -2507,13 +2383,7 @@
       </p:grpSpPr>
       <p:sp>
         <p:nvSpPr>
-          <p:cNvPr id="2" name="Title 1">
-            <a:extLst>
-              <a:ext uri="{FF2B5EF4-FFF2-40B4-BE49-F238E27FC236}">
-                <a16:creationId xmlns:a16="http://schemas.microsoft.com/office/drawing/2014/main" id="{E8B1CABF-22C4-C8A2-2D2E-20E7A84A3D76}"/>
-              </a:ext>
-            </a:extLst>
-          </p:cNvPr>
+          <p:cNvPr id="2" name="Title 1"/>
           <p:cNvSpPr>
             <a:spLocks noGrp="1"/>
           </p:cNvSpPr>
@@ -2536,22 +2406,15 @@
           </a:lstStyle>
           <a:p>
             <a:r>
-              <a:rPr lang="en-GB"/>
+              <a:rPr lang="en-US"/>
               <a:t>Click to edit Master title style</a:t>
             </a:r>
-            <a:endParaRPr lang="en-PK"/>
-          </a:p>
-        </p:txBody>
-      </p:sp>
-      <p:sp>
-        <p:nvSpPr>
-          <p:cNvPr id="3" name="Text Placeholder 2">
-            <a:extLst>
-              <a:ext uri="{FF2B5EF4-FFF2-40B4-BE49-F238E27FC236}">
-                <a16:creationId xmlns:a16="http://schemas.microsoft.com/office/drawing/2014/main" id="{5888CE56-8FD0-F3B1-262C-A9A20C2B78F0}"/>
-              </a:ext>
-            </a:extLst>
-          </p:cNvPr>
+          </a:p>
+        </p:txBody>
+      </p:sp>
+      <p:sp>
+        <p:nvSpPr>
+          <p:cNvPr id="3" name="Text Placeholder 2"/>
           <p:cNvSpPr>
             <a:spLocks noGrp="1"/>
           </p:cNvSpPr>
@@ -2662,7 +2525,7 @@
           <a:p>
             <a:pPr lvl="0"/>
             <a:r>
-              <a:rPr lang="en-GB"/>
+              <a:rPr lang="en-US"/>
               <a:t>Click to edit Master text styles</a:t>
             </a:r>
           </a:p>
@@ -2670,13 +2533,7 @@
       </p:sp>
       <p:sp>
         <p:nvSpPr>
-          <p:cNvPr id="4" name="Date Placeholder 3">
-            <a:extLst>
-              <a:ext uri="{FF2B5EF4-FFF2-40B4-BE49-F238E27FC236}">
-                <a16:creationId xmlns:a16="http://schemas.microsoft.com/office/drawing/2014/main" id="{DC2F1D79-2B43-91C0-99C4-D839F071E673}"/>
-              </a:ext>
-            </a:extLst>
-          </p:cNvPr>
+          <p:cNvPr id="4" name="Date Placeholder 3"/>
           <p:cNvSpPr>
             <a:spLocks noGrp="1"/>
           </p:cNvSpPr>
@@ -2689,23 +2546,17 @@
           <a:bodyPr/>
           <a:lstStyle/>
           <a:p>
-            <a:fld id="{C0317865-E505-D347-8D74-B387E5443778}" type="datetimeFigureOut">
-              <a:rPr lang="en-PK" smtClean="0"/>
-              <a:t>19/12/2023</a:t>
+            <a:fld id="{BAC2E8E5-437A-4043-8EB7-FC47F00F1EF6}" type="datetime1">
+              <a:rPr lang="en-US" smtClean="0"/>
+              <a:t>12/25/23</a:t>
             </a:fld>
-            <a:endParaRPr lang="en-PK"/>
-          </a:p>
-        </p:txBody>
-      </p:sp>
-      <p:sp>
-        <p:nvSpPr>
-          <p:cNvPr id="5" name="Footer Placeholder 4">
-            <a:extLst>
-              <a:ext uri="{FF2B5EF4-FFF2-40B4-BE49-F238E27FC236}">
-                <a16:creationId xmlns:a16="http://schemas.microsoft.com/office/drawing/2014/main" id="{D4E21B1F-11B2-D539-7B87-3B6650D8260A}"/>
-              </a:ext>
-            </a:extLst>
-          </p:cNvPr>
+            <a:endParaRPr lang="en-US"/>
+          </a:p>
+        </p:txBody>
+      </p:sp>
+      <p:sp>
+        <p:nvSpPr>
+          <p:cNvPr id="5" name="Footer Placeholder 4"/>
           <p:cNvSpPr>
             <a:spLocks noGrp="1"/>
           </p:cNvSpPr>
@@ -2718,19 +2569,13 @@
           <a:bodyPr/>
           <a:lstStyle/>
           <a:p>
-            <a:endParaRPr lang="en-PK"/>
-          </a:p>
-        </p:txBody>
-      </p:sp>
-      <p:sp>
-        <p:nvSpPr>
-          <p:cNvPr id="6" name="Slide Number Placeholder 5">
-            <a:extLst>
-              <a:ext uri="{FF2B5EF4-FFF2-40B4-BE49-F238E27FC236}">
-                <a16:creationId xmlns:a16="http://schemas.microsoft.com/office/drawing/2014/main" id="{37025A7E-B931-E8CE-042E-3F4A1DBA974B}"/>
-              </a:ext>
-            </a:extLst>
-          </p:cNvPr>
+            <a:endParaRPr lang="en-US"/>
+          </a:p>
+        </p:txBody>
+      </p:sp>
+      <p:sp>
+        <p:nvSpPr>
+          <p:cNvPr id="6" name="Slide Number Placeholder 5"/>
           <p:cNvSpPr>
             <a:spLocks noGrp="1"/>
           </p:cNvSpPr>
@@ -2743,18 +2588,18 @@
           <a:bodyPr/>
           <a:lstStyle/>
           <a:p>
-            <a:fld id="{646ABFDF-6077-E949-82C3-32188A55E268}" type="slidenum">
-              <a:rPr lang="en-PK" smtClean="0"/>
+            <a:fld id="{3FE6F5B0-BCF1-4291-802C-4ED5F9057036}" type="slidenum">
+              <a:rPr lang="en-US" smtClean="0"/>
               <a:t>‹#›</a:t>
             </a:fld>
-            <a:endParaRPr lang="en-PK"/>
+            <a:endParaRPr lang="en-US"/>
           </a:p>
         </p:txBody>
       </p:sp>
     </p:spTree>
     <p:extLst>
       <p:ext uri="{BB962C8B-B14F-4D97-AF65-F5344CB8AC3E}">
-        <p14:creationId xmlns:p14="http://schemas.microsoft.com/office/powerpoint/2010/main" val="2752922065"/>
+        <p14:creationId xmlns:p14="http://schemas.microsoft.com/office/powerpoint/2010/main" val="3993569423"/>
       </p:ext>
     </p:extLst>
   </p:cSld>
@@ -2783,13 +2628,7 @@
       </p:grpSpPr>
       <p:sp>
         <p:nvSpPr>
-          <p:cNvPr id="2" name="Title 1">
-            <a:extLst>
-              <a:ext uri="{FF2B5EF4-FFF2-40B4-BE49-F238E27FC236}">
-                <a16:creationId xmlns:a16="http://schemas.microsoft.com/office/drawing/2014/main" id="{5EEC867F-BA9C-5296-BB7A-F13874B37FDC}"/>
-              </a:ext>
-            </a:extLst>
-          </p:cNvPr>
+          <p:cNvPr id="2" name="Title 1"/>
           <p:cNvSpPr>
             <a:spLocks noGrp="1"/>
           </p:cNvSpPr>
@@ -2803,22 +2642,15 @@
           <a:lstStyle/>
           <a:p>
             <a:r>
-              <a:rPr lang="en-GB"/>
+              <a:rPr lang="en-US"/>
               <a:t>Click to edit Master title style</a:t>
             </a:r>
-            <a:endParaRPr lang="en-PK"/>
-          </a:p>
-        </p:txBody>
-      </p:sp>
-      <p:sp>
-        <p:nvSpPr>
-          <p:cNvPr id="3" name="Content Placeholder 2">
-            <a:extLst>
-              <a:ext uri="{FF2B5EF4-FFF2-40B4-BE49-F238E27FC236}">
-                <a16:creationId xmlns:a16="http://schemas.microsoft.com/office/drawing/2014/main" id="{CFFECB25-A0CD-9AAD-5313-CAF342B1AD15}"/>
-              </a:ext>
-            </a:extLst>
-          </p:cNvPr>
+          </a:p>
+        </p:txBody>
+      </p:sp>
+      <p:sp>
+        <p:nvSpPr>
+          <p:cNvPr id="3" name="Content Placeholder 2"/>
           <p:cNvSpPr>
             <a:spLocks noGrp="1"/>
           </p:cNvSpPr>
@@ -2838,50 +2670,43 @@
           <a:p>
             <a:pPr lvl="0"/>
             <a:r>
-              <a:rPr lang="en-GB"/>
+              <a:rPr lang="en-US"/>
               <a:t>Click to edit Master text styles</a:t>
             </a:r>
           </a:p>
           <a:p>
             <a:pPr lvl="1"/>
             <a:r>
-              <a:rPr lang="en-GB"/>
+              <a:rPr lang="en-US"/>
               <a:t>Second level</a:t>
             </a:r>
           </a:p>
           <a:p>
             <a:pPr lvl="2"/>
             <a:r>
-              <a:rPr lang="en-GB"/>
+              <a:rPr lang="en-US"/>
               <a:t>Third level</a:t>
             </a:r>
           </a:p>
           <a:p>
             <a:pPr lvl="3"/>
             <a:r>
-              <a:rPr lang="en-GB"/>
+              <a:rPr lang="en-US"/>
               <a:t>Fourth level</a:t>
             </a:r>
           </a:p>
           <a:p>
             <a:pPr lvl="4"/>
             <a:r>
-              <a:rPr lang="en-GB"/>
+              <a:rPr lang="en-US"/>
               <a:t>Fifth level</a:t>
             </a:r>
-            <a:endParaRPr lang="en-PK"/>
-          </a:p>
-        </p:txBody>
-      </p:sp>
-      <p:sp>
-        <p:nvSpPr>
-          <p:cNvPr id="4" name="Content Placeholder 3">
-            <a:extLst>
-              <a:ext uri="{FF2B5EF4-FFF2-40B4-BE49-F238E27FC236}">
-                <a16:creationId xmlns:a16="http://schemas.microsoft.com/office/drawing/2014/main" id="{21B28984-AE31-3947-78CC-1232ED13C062}"/>
-              </a:ext>
-            </a:extLst>
-          </p:cNvPr>
+          </a:p>
+        </p:txBody>
+      </p:sp>
+      <p:sp>
+        <p:nvSpPr>
+          <p:cNvPr id="4" name="Content Placeholder 3"/>
           <p:cNvSpPr>
             <a:spLocks noGrp="1"/>
           </p:cNvSpPr>
@@ -2901,50 +2726,43 @@
           <a:p>
             <a:pPr lvl="0"/>
             <a:r>
-              <a:rPr lang="en-GB"/>
+              <a:rPr lang="en-US"/>
               <a:t>Click to edit Master text styles</a:t>
             </a:r>
           </a:p>
           <a:p>
             <a:pPr lvl="1"/>
             <a:r>
-              <a:rPr lang="en-GB"/>
+              <a:rPr lang="en-US"/>
               <a:t>Second level</a:t>
             </a:r>
           </a:p>
           <a:p>
             <a:pPr lvl="2"/>
             <a:r>
-              <a:rPr lang="en-GB"/>
+              <a:rPr lang="en-US"/>
               <a:t>Third level</a:t>
             </a:r>
           </a:p>
           <a:p>
             <a:pPr lvl="3"/>
             <a:r>
-              <a:rPr lang="en-GB"/>
+              <a:rPr lang="en-US"/>
               <a:t>Fourth level</a:t>
             </a:r>
           </a:p>
           <a:p>
             <a:pPr lvl="4"/>
             <a:r>
-              <a:rPr lang="en-GB"/>
+              <a:rPr lang="en-US"/>
               <a:t>Fifth level</a:t>
             </a:r>
-            <a:endParaRPr lang="en-PK"/>
-          </a:p>
-        </p:txBody>
-      </p:sp>
-      <p:sp>
-        <p:nvSpPr>
-          <p:cNvPr id="5" name="Date Placeholder 4">
-            <a:extLst>
-              <a:ext uri="{FF2B5EF4-FFF2-40B4-BE49-F238E27FC236}">
-                <a16:creationId xmlns:a16="http://schemas.microsoft.com/office/drawing/2014/main" id="{C7408681-B5E1-BD93-49AB-20B4CDFFB594}"/>
-              </a:ext>
-            </a:extLst>
-          </p:cNvPr>
+          </a:p>
+        </p:txBody>
+      </p:sp>
+      <p:sp>
+        <p:nvSpPr>
+          <p:cNvPr id="5" name="Date Placeholder 4"/>
           <p:cNvSpPr>
             <a:spLocks noGrp="1"/>
           </p:cNvSpPr>
@@ -2957,23 +2775,17 @@
           <a:bodyPr/>
           <a:lstStyle/>
           <a:p>
-            <a:fld id="{C0317865-E505-D347-8D74-B387E5443778}" type="datetimeFigureOut">
-              <a:rPr lang="en-PK" smtClean="0"/>
-              <a:t>19/12/2023</a:t>
+            <a:fld id="{38F7D966-F9DC-0540-930B-E1258AAFF056}" type="datetime1">
+              <a:rPr lang="en-US" smtClean="0"/>
+              <a:t>12/25/23</a:t>
             </a:fld>
-            <a:endParaRPr lang="en-PK"/>
-          </a:p>
-        </p:txBody>
-      </p:sp>
-      <p:sp>
-        <p:nvSpPr>
-          <p:cNvPr id="6" name="Footer Placeholder 5">
-            <a:extLst>
-              <a:ext uri="{FF2B5EF4-FFF2-40B4-BE49-F238E27FC236}">
-                <a16:creationId xmlns:a16="http://schemas.microsoft.com/office/drawing/2014/main" id="{985393C0-9DB5-F91A-332D-625D039A306B}"/>
-              </a:ext>
-            </a:extLst>
-          </p:cNvPr>
+            <a:endParaRPr lang="en-US"/>
+          </a:p>
+        </p:txBody>
+      </p:sp>
+      <p:sp>
+        <p:nvSpPr>
+          <p:cNvPr id="6" name="Footer Placeholder 5"/>
           <p:cNvSpPr>
             <a:spLocks noGrp="1"/>
           </p:cNvSpPr>
@@ -2986,19 +2798,13 @@
           <a:bodyPr/>
           <a:lstStyle/>
           <a:p>
-            <a:endParaRPr lang="en-PK"/>
-          </a:p>
-        </p:txBody>
-      </p:sp>
-      <p:sp>
-        <p:nvSpPr>
-          <p:cNvPr id="7" name="Slide Number Placeholder 6">
-            <a:extLst>
-              <a:ext uri="{FF2B5EF4-FFF2-40B4-BE49-F238E27FC236}">
-                <a16:creationId xmlns:a16="http://schemas.microsoft.com/office/drawing/2014/main" id="{F9E647F5-FFDA-9CA7-EAF9-4621821B6EC9}"/>
-              </a:ext>
-            </a:extLst>
-          </p:cNvPr>
+            <a:endParaRPr lang="en-US"/>
+          </a:p>
+        </p:txBody>
+      </p:sp>
+      <p:sp>
+        <p:nvSpPr>
+          <p:cNvPr id="7" name="Slide Number Placeholder 6"/>
           <p:cNvSpPr>
             <a:spLocks noGrp="1"/>
           </p:cNvSpPr>
@@ -3011,18 +2817,18 @@
           <a:bodyPr/>
           <a:lstStyle/>
           <a:p>
-            <a:fld id="{646ABFDF-6077-E949-82C3-32188A55E268}" type="slidenum">
-              <a:rPr lang="en-PK" smtClean="0"/>
+            <a:fld id="{3FE6F5B0-BCF1-4291-802C-4ED5F9057036}" type="slidenum">
+              <a:rPr lang="en-US" smtClean="0"/>
               <a:t>‹#›</a:t>
             </a:fld>
-            <a:endParaRPr lang="en-PK"/>
+            <a:endParaRPr lang="en-US"/>
           </a:p>
         </p:txBody>
       </p:sp>
     </p:spTree>
     <p:extLst>
       <p:ext uri="{BB962C8B-B14F-4D97-AF65-F5344CB8AC3E}">
-        <p14:creationId xmlns:p14="http://schemas.microsoft.com/office/powerpoint/2010/main" val="2691437098"/>
+        <p14:creationId xmlns:p14="http://schemas.microsoft.com/office/powerpoint/2010/main" val="3858911426"/>
       </p:ext>
     </p:extLst>
   </p:cSld>
@@ -3051,13 +2857,7 @@
       </p:grpSpPr>
       <p:sp>
         <p:nvSpPr>
-          <p:cNvPr id="2" name="Title 1">
-            <a:extLst>
-              <a:ext uri="{FF2B5EF4-FFF2-40B4-BE49-F238E27FC236}">
-                <a16:creationId xmlns:a16="http://schemas.microsoft.com/office/drawing/2014/main" id="{16C48F2B-DD8C-6C0B-BDE5-A4CF066CB493}"/>
-              </a:ext>
-            </a:extLst>
-          </p:cNvPr>
+          <p:cNvPr id="2" name="Title 1"/>
           <p:cNvSpPr>
             <a:spLocks noGrp="1"/>
           </p:cNvSpPr>
@@ -3076,22 +2876,15 @@
           <a:lstStyle/>
           <a:p>
             <a:r>
-              <a:rPr lang="en-GB"/>
+              <a:rPr lang="en-US"/>
               <a:t>Click to edit Master title style</a:t>
             </a:r>
-            <a:endParaRPr lang="en-PK"/>
-          </a:p>
-        </p:txBody>
-      </p:sp>
-      <p:sp>
-        <p:nvSpPr>
-          <p:cNvPr id="3" name="Text Placeholder 2">
-            <a:extLst>
-              <a:ext uri="{FF2B5EF4-FFF2-40B4-BE49-F238E27FC236}">
-                <a16:creationId xmlns:a16="http://schemas.microsoft.com/office/drawing/2014/main" id="{2E2DA92C-5F89-04C3-841C-6EFF2184A315}"/>
-              </a:ext>
-            </a:extLst>
-          </p:cNvPr>
+          </a:p>
+        </p:txBody>
+      </p:sp>
+      <p:sp>
+        <p:nvSpPr>
+          <p:cNvPr id="3" name="Text Placeholder 2"/>
           <p:cNvSpPr>
             <a:spLocks noGrp="1"/>
           </p:cNvSpPr>
@@ -3148,7 +2941,7 @@
           <a:p>
             <a:pPr lvl="0"/>
             <a:r>
-              <a:rPr lang="en-GB"/>
+              <a:rPr lang="en-US"/>
               <a:t>Click to edit Master text styles</a:t>
             </a:r>
           </a:p>
@@ -3156,13 +2949,7 @@
       </p:sp>
       <p:sp>
         <p:nvSpPr>
-          <p:cNvPr id="4" name="Content Placeholder 3">
-            <a:extLst>
-              <a:ext uri="{FF2B5EF4-FFF2-40B4-BE49-F238E27FC236}">
-                <a16:creationId xmlns:a16="http://schemas.microsoft.com/office/drawing/2014/main" id="{1D7CB009-6716-9813-0762-AE4F7D03EC59}"/>
-              </a:ext>
-            </a:extLst>
-          </p:cNvPr>
+          <p:cNvPr id="4" name="Content Placeholder 3"/>
           <p:cNvSpPr>
             <a:spLocks noGrp="1"/>
           </p:cNvSpPr>
@@ -3182,50 +2969,43 @@
           <a:p>
             <a:pPr lvl="0"/>
             <a:r>
-              <a:rPr lang="en-GB"/>
+              <a:rPr lang="en-US"/>
               <a:t>Click to edit Master text styles</a:t>
             </a:r>
           </a:p>
           <a:p>
             <a:pPr lvl="1"/>
             <a:r>
-              <a:rPr lang="en-GB"/>
+              <a:rPr lang="en-US"/>
               <a:t>Second level</a:t>
             </a:r>
           </a:p>
           <a:p>
             <a:pPr lvl="2"/>
             <a:r>
-              <a:rPr lang="en-GB"/>
+              <a:rPr lang="en-US"/>
               <a:t>Third level</a:t>
             </a:r>
           </a:p>
           <a:p>
             <a:pPr lvl="3"/>
             <a:r>
-              <a:rPr lang="en-GB"/>
+              <a:rPr lang="en-US"/>
               <a:t>Fourth level</a:t>
             </a:r>
           </a:p>
           <a:p>
             <a:pPr lvl="4"/>
             <a:r>
-              <a:rPr lang="en-GB"/>
+              <a:rPr lang="en-US"/>
               <a:t>Fifth level</a:t>
             </a:r>
-            <a:endParaRPr lang="en-PK"/>
-          </a:p>
-        </p:txBody>
-      </p:sp>
-      <p:sp>
-        <p:nvSpPr>
-          <p:cNvPr id="5" name="Text Placeholder 4">
-            <a:extLst>
-              <a:ext uri="{FF2B5EF4-FFF2-40B4-BE49-F238E27FC236}">
-                <a16:creationId xmlns:a16="http://schemas.microsoft.com/office/drawing/2014/main" id="{6114579F-3CA5-F688-0AE6-628D496FB5E6}"/>
-              </a:ext>
-            </a:extLst>
-          </p:cNvPr>
+          </a:p>
+        </p:txBody>
+      </p:sp>
+      <p:sp>
+        <p:nvSpPr>
+          <p:cNvPr id="5" name="Text Placeholder 4"/>
           <p:cNvSpPr>
             <a:spLocks noGrp="1"/>
           </p:cNvSpPr>
@@ -3282,7 +3062,7 @@
           <a:p>
             <a:pPr lvl="0"/>
             <a:r>
-              <a:rPr lang="en-GB"/>
+              <a:rPr lang="en-US"/>
               <a:t>Click to edit Master text styles</a:t>
             </a:r>
           </a:p>
@@ -3290,13 +3070,7 @@
       </p:sp>
       <p:sp>
         <p:nvSpPr>
-          <p:cNvPr id="6" name="Content Placeholder 5">
-            <a:extLst>
-              <a:ext uri="{FF2B5EF4-FFF2-40B4-BE49-F238E27FC236}">
-                <a16:creationId xmlns:a16="http://schemas.microsoft.com/office/drawing/2014/main" id="{F0A96354-CE24-00DE-4F81-FE094F9AACA0}"/>
-              </a:ext>
-            </a:extLst>
-          </p:cNvPr>
+          <p:cNvPr id="6" name="Content Placeholder 5"/>
           <p:cNvSpPr>
             <a:spLocks noGrp="1"/>
           </p:cNvSpPr>
@@ -3316,50 +3090,43 @@
           <a:p>
             <a:pPr lvl="0"/>
             <a:r>
-              <a:rPr lang="en-GB"/>
+              <a:rPr lang="en-US"/>
               <a:t>Click to edit Master text styles</a:t>
             </a:r>
           </a:p>
           <a:p>
             <a:pPr lvl="1"/>
             <a:r>
-              <a:rPr lang="en-GB"/>
+              <a:rPr lang="en-US"/>
               <a:t>Second level</a:t>
             </a:r>
           </a:p>
           <a:p>
             <a:pPr lvl="2"/>
             <a:r>
-              <a:rPr lang="en-GB"/>
+              <a:rPr lang="en-US"/>
               <a:t>Third level</a:t>
             </a:r>
           </a:p>
           <a:p>
             <a:pPr lvl="3"/>
             <a:r>
-              <a:rPr lang="en-GB"/>
+              <a:rPr lang="en-US"/>
               <a:t>Fourth level</a:t>
             </a:r>
           </a:p>
           <a:p>
             <a:pPr lvl="4"/>
             <a:r>
-              <a:rPr lang="en-GB"/>
+              <a:rPr lang="en-US"/>
               <a:t>Fifth level</a:t>
             </a:r>
-            <a:endParaRPr lang="en-PK"/>
-          </a:p>
-        </p:txBody>
-      </p:sp>
-      <p:sp>
-        <p:nvSpPr>
-          <p:cNvPr id="7" name="Date Placeholder 6">
-            <a:extLst>
-              <a:ext uri="{FF2B5EF4-FFF2-40B4-BE49-F238E27FC236}">
-                <a16:creationId xmlns:a16="http://schemas.microsoft.com/office/drawing/2014/main" id="{0D995B78-66AF-8239-2A43-EA80794CE44A}"/>
-              </a:ext>
-            </a:extLst>
-          </p:cNvPr>
+          </a:p>
+        </p:txBody>
+      </p:sp>
+      <p:sp>
+        <p:nvSpPr>
+          <p:cNvPr id="7" name="Date Placeholder 6"/>
           <p:cNvSpPr>
             <a:spLocks noGrp="1"/>
           </p:cNvSpPr>
@@ -3372,23 +3139,17 @@
           <a:bodyPr/>
           <a:lstStyle/>
           <a:p>
-            <a:fld id="{C0317865-E505-D347-8D74-B387E5443778}" type="datetimeFigureOut">
-              <a:rPr lang="en-PK" smtClean="0"/>
-              <a:t>19/12/2023</a:t>
+            <a:fld id="{9982B607-4871-FB40-9574-39B6CEB2812A}" type="datetime1">
+              <a:rPr lang="en-US" smtClean="0"/>
+              <a:t>12/25/23</a:t>
             </a:fld>
-            <a:endParaRPr lang="en-PK"/>
-          </a:p>
-        </p:txBody>
-      </p:sp>
-      <p:sp>
-        <p:nvSpPr>
-          <p:cNvPr id="8" name="Footer Placeholder 7">
-            <a:extLst>
-              <a:ext uri="{FF2B5EF4-FFF2-40B4-BE49-F238E27FC236}">
-                <a16:creationId xmlns:a16="http://schemas.microsoft.com/office/drawing/2014/main" id="{4E4CAC55-5E73-2A24-17C0-142E50C3B793}"/>
-              </a:ext>
-            </a:extLst>
-          </p:cNvPr>
+            <a:endParaRPr lang="en-US"/>
+          </a:p>
+        </p:txBody>
+      </p:sp>
+      <p:sp>
+        <p:nvSpPr>
+          <p:cNvPr id="8" name="Footer Placeholder 7"/>
           <p:cNvSpPr>
             <a:spLocks noGrp="1"/>
           </p:cNvSpPr>
@@ -3401,19 +3162,13 @@
           <a:bodyPr/>
           <a:lstStyle/>
           <a:p>
-            <a:endParaRPr lang="en-PK"/>
-          </a:p>
-        </p:txBody>
-      </p:sp>
-      <p:sp>
-        <p:nvSpPr>
-          <p:cNvPr id="9" name="Slide Number Placeholder 8">
-            <a:extLst>
-              <a:ext uri="{FF2B5EF4-FFF2-40B4-BE49-F238E27FC236}">
-                <a16:creationId xmlns:a16="http://schemas.microsoft.com/office/drawing/2014/main" id="{2A65E4F1-D8F7-B087-260A-0B51BD27A0DC}"/>
-              </a:ext>
-            </a:extLst>
-          </p:cNvPr>
+            <a:endParaRPr lang="en-US"/>
+          </a:p>
+        </p:txBody>
+      </p:sp>
+      <p:sp>
+        <p:nvSpPr>
+          <p:cNvPr id="9" name="Slide Number Placeholder 8"/>
           <p:cNvSpPr>
             <a:spLocks noGrp="1"/>
           </p:cNvSpPr>
@@ -3426,18 +3181,18 @@
           <a:bodyPr/>
           <a:lstStyle/>
           <a:p>
-            <a:fld id="{646ABFDF-6077-E949-82C3-32188A55E268}" type="slidenum">
-              <a:rPr lang="en-PK" smtClean="0"/>
+            <a:fld id="{3FE6F5B0-BCF1-4291-802C-4ED5F9057036}" type="slidenum">
+              <a:rPr lang="en-US" smtClean="0"/>
               <a:t>‹#›</a:t>
             </a:fld>
-            <a:endParaRPr lang="en-PK"/>
+            <a:endParaRPr lang="en-US"/>
           </a:p>
         </p:txBody>
       </p:sp>
     </p:spTree>
     <p:extLst>
       <p:ext uri="{BB962C8B-B14F-4D97-AF65-F5344CB8AC3E}">
-        <p14:creationId xmlns:p14="http://schemas.microsoft.com/office/powerpoint/2010/main" val="2563668967"/>
+        <p14:creationId xmlns:p14="http://schemas.microsoft.com/office/powerpoint/2010/main" val="3771692138"/>
       </p:ext>
     </p:extLst>
   </p:cSld>
@@ -3466,13 +3221,7 @@
       </p:grpSpPr>
       <p:sp>
         <p:nvSpPr>
-          <p:cNvPr id="2" name="Title 1">
-            <a:extLst>
-              <a:ext uri="{FF2B5EF4-FFF2-40B4-BE49-F238E27FC236}">
-                <a16:creationId xmlns:a16="http://schemas.microsoft.com/office/drawing/2014/main" id="{CD1817FA-C6E8-238D-395F-CE33AAC09D8D}"/>
-              </a:ext>
-            </a:extLst>
-          </p:cNvPr>
+          <p:cNvPr id="2" name="Title 1"/>
           <p:cNvSpPr>
             <a:spLocks noGrp="1"/>
           </p:cNvSpPr>
@@ -3486,22 +3235,15 @@
           <a:lstStyle/>
           <a:p>
             <a:r>
-              <a:rPr lang="en-GB"/>
+              <a:rPr lang="en-US"/>
               <a:t>Click to edit Master title style</a:t>
             </a:r>
-            <a:endParaRPr lang="en-PK"/>
-          </a:p>
-        </p:txBody>
-      </p:sp>
-      <p:sp>
-        <p:nvSpPr>
-          <p:cNvPr id="3" name="Date Placeholder 2">
-            <a:extLst>
-              <a:ext uri="{FF2B5EF4-FFF2-40B4-BE49-F238E27FC236}">
-                <a16:creationId xmlns:a16="http://schemas.microsoft.com/office/drawing/2014/main" id="{456404B6-440F-747B-6B7D-086A86AB17FC}"/>
-              </a:ext>
-            </a:extLst>
-          </p:cNvPr>
+          </a:p>
+        </p:txBody>
+      </p:sp>
+      <p:sp>
+        <p:nvSpPr>
+          <p:cNvPr id="3" name="Date Placeholder 2"/>
           <p:cNvSpPr>
             <a:spLocks noGrp="1"/>
           </p:cNvSpPr>
@@ -3514,23 +3256,17 @@
           <a:bodyPr/>
           <a:lstStyle/>
           <a:p>
-            <a:fld id="{C0317865-E505-D347-8D74-B387E5443778}" type="datetimeFigureOut">
-              <a:rPr lang="en-PK" smtClean="0"/>
-              <a:t>19/12/2023</a:t>
+            <a:fld id="{AABA27B2-8C00-F84D-ABBA-9E279CB9D7DB}" type="datetime1">
+              <a:rPr lang="en-US" smtClean="0"/>
+              <a:t>12/25/23</a:t>
             </a:fld>
-            <a:endParaRPr lang="en-PK"/>
-          </a:p>
-        </p:txBody>
-      </p:sp>
-      <p:sp>
-        <p:nvSpPr>
-          <p:cNvPr id="4" name="Footer Placeholder 3">
-            <a:extLst>
-              <a:ext uri="{FF2B5EF4-FFF2-40B4-BE49-F238E27FC236}">
-                <a16:creationId xmlns:a16="http://schemas.microsoft.com/office/drawing/2014/main" id="{58FA2D62-A6F0-F685-1057-7FB950BE16C0}"/>
-              </a:ext>
-            </a:extLst>
-          </p:cNvPr>
+            <a:endParaRPr lang="en-US"/>
+          </a:p>
+        </p:txBody>
+      </p:sp>
+      <p:sp>
+        <p:nvSpPr>
+          <p:cNvPr id="4" name="Footer Placeholder 3"/>
           <p:cNvSpPr>
             <a:spLocks noGrp="1"/>
           </p:cNvSpPr>
@@ -3543,19 +3279,13 @@
           <a:bodyPr/>
           <a:lstStyle/>
           <a:p>
-            <a:endParaRPr lang="en-PK"/>
-          </a:p>
-        </p:txBody>
-      </p:sp>
-      <p:sp>
-        <p:nvSpPr>
-          <p:cNvPr id="5" name="Slide Number Placeholder 4">
-            <a:extLst>
-              <a:ext uri="{FF2B5EF4-FFF2-40B4-BE49-F238E27FC236}">
-                <a16:creationId xmlns:a16="http://schemas.microsoft.com/office/drawing/2014/main" id="{6C98F22B-85F7-027B-9BC4-64284E628E12}"/>
-              </a:ext>
-            </a:extLst>
-          </p:cNvPr>
+            <a:endParaRPr lang="en-US"/>
+          </a:p>
+        </p:txBody>
+      </p:sp>
+      <p:sp>
+        <p:nvSpPr>
+          <p:cNvPr id="5" name="Slide Number Placeholder 4"/>
           <p:cNvSpPr>
             <a:spLocks noGrp="1"/>
           </p:cNvSpPr>
@@ -3568,18 +3298,18 @@
           <a:bodyPr/>
           <a:lstStyle/>
           <a:p>
-            <a:fld id="{646ABFDF-6077-E949-82C3-32188A55E268}" type="slidenum">
-              <a:rPr lang="en-PK" smtClean="0"/>
+            <a:fld id="{3FE6F5B0-BCF1-4291-802C-4ED5F9057036}" type="slidenum">
+              <a:rPr lang="en-US" smtClean="0"/>
               <a:t>‹#›</a:t>
             </a:fld>
-            <a:endParaRPr lang="en-PK"/>
+            <a:endParaRPr lang="en-US"/>
           </a:p>
         </p:txBody>
       </p:sp>
     </p:spTree>
     <p:extLst>
       <p:ext uri="{BB962C8B-B14F-4D97-AF65-F5344CB8AC3E}">
-        <p14:creationId xmlns:p14="http://schemas.microsoft.com/office/powerpoint/2010/main" val="2935678081"/>
+        <p14:creationId xmlns:p14="http://schemas.microsoft.com/office/powerpoint/2010/main" val="3600089373"/>
       </p:ext>
     </p:extLst>
   </p:cSld>
@@ -3608,13 +3338,7 @@
       </p:grpSpPr>
       <p:sp>
         <p:nvSpPr>
-          <p:cNvPr id="2" name="Date Placeholder 1">
-            <a:extLst>
-              <a:ext uri="{FF2B5EF4-FFF2-40B4-BE49-F238E27FC236}">
-                <a16:creationId xmlns:a16="http://schemas.microsoft.com/office/drawing/2014/main" id="{BF582D4C-97CA-E397-AFEC-59CFECA85C73}"/>
-              </a:ext>
-            </a:extLst>
-          </p:cNvPr>
+          <p:cNvPr id="2" name="Date Placeholder 1"/>
           <p:cNvSpPr>
             <a:spLocks noGrp="1"/>
           </p:cNvSpPr>
@@ -3627,23 +3351,17 @@
           <a:bodyPr/>
           <a:lstStyle/>
           <a:p>
-            <a:fld id="{C0317865-E505-D347-8D74-B387E5443778}" type="datetimeFigureOut">
-              <a:rPr lang="en-PK" smtClean="0"/>
-              <a:t>19/12/2023</a:t>
+            <a:fld id="{B422F593-57A6-2B42-9344-2115EAEE62EE}" type="datetime1">
+              <a:rPr lang="en-US" smtClean="0"/>
+              <a:t>12/25/23</a:t>
             </a:fld>
-            <a:endParaRPr lang="en-PK"/>
-          </a:p>
-        </p:txBody>
-      </p:sp>
-      <p:sp>
-        <p:nvSpPr>
-          <p:cNvPr id="3" name="Footer Placeholder 2">
-            <a:extLst>
-              <a:ext uri="{FF2B5EF4-FFF2-40B4-BE49-F238E27FC236}">
-                <a16:creationId xmlns:a16="http://schemas.microsoft.com/office/drawing/2014/main" id="{66D5B1B2-76B3-F35E-5930-36ED0C6EED8B}"/>
-              </a:ext>
-            </a:extLst>
-          </p:cNvPr>
+            <a:endParaRPr lang="en-US"/>
+          </a:p>
+        </p:txBody>
+      </p:sp>
+      <p:sp>
+        <p:nvSpPr>
+          <p:cNvPr id="3" name="Footer Placeholder 2"/>
           <p:cNvSpPr>
             <a:spLocks noGrp="1"/>
           </p:cNvSpPr>
@@ -3656,19 +3374,13 @@
           <a:bodyPr/>
           <a:lstStyle/>
           <a:p>
-            <a:endParaRPr lang="en-PK"/>
-          </a:p>
-        </p:txBody>
-      </p:sp>
-      <p:sp>
-        <p:nvSpPr>
-          <p:cNvPr id="4" name="Slide Number Placeholder 3">
-            <a:extLst>
-              <a:ext uri="{FF2B5EF4-FFF2-40B4-BE49-F238E27FC236}">
-                <a16:creationId xmlns:a16="http://schemas.microsoft.com/office/drawing/2014/main" id="{E0171B40-B044-742D-6735-1CD8F9161FAB}"/>
-              </a:ext>
-            </a:extLst>
-          </p:cNvPr>
+            <a:endParaRPr lang="en-US"/>
+          </a:p>
+        </p:txBody>
+      </p:sp>
+      <p:sp>
+        <p:nvSpPr>
+          <p:cNvPr id="4" name="Slide Number Placeholder 3"/>
           <p:cNvSpPr>
             <a:spLocks noGrp="1"/>
           </p:cNvSpPr>
@@ -3681,18 +3393,18 @@
           <a:bodyPr/>
           <a:lstStyle/>
           <a:p>
-            <a:fld id="{646ABFDF-6077-E949-82C3-32188A55E268}" type="slidenum">
-              <a:rPr lang="en-PK" smtClean="0"/>
+            <a:fld id="{3FE6F5B0-BCF1-4291-802C-4ED5F9057036}" type="slidenum">
+              <a:rPr lang="en-US" smtClean="0"/>
               <a:t>‹#›</a:t>
             </a:fld>
-            <a:endParaRPr lang="en-PK"/>
+            <a:endParaRPr lang="en-US"/>
           </a:p>
         </p:txBody>
       </p:sp>
     </p:spTree>
     <p:extLst>
       <p:ext uri="{BB962C8B-B14F-4D97-AF65-F5344CB8AC3E}">
-        <p14:creationId xmlns:p14="http://schemas.microsoft.com/office/powerpoint/2010/main" val="601214838"/>
+        <p14:creationId xmlns:p14="http://schemas.microsoft.com/office/powerpoint/2010/main" val="1996400725"/>
       </p:ext>
     </p:extLst>
   </p:cSld>
@@ -3721,13 +3433,7 @@
       </p:grpSpPr>
       <p:sp>
         <p:nvSpPr>
-          <p:cNvPr id="2" name="Title 1">
-            <a:extLst>
-              <a:ext uri="{FF2B5EF4-FFF2-40B4-BE49-F238E27FC236}">
-                <a16:creationId xmlns:a16="http://schemas.microsoft.com/office/drawing/2014/main" id="{F8448B84-0EB8-23FB-16E9-C811F355A35D}"/>
-              </a:ext>
-            </a:extLst>
-          </p:cNvPr>
+          <p:cNvPr id="2" name="Title 1"/>
           <p:cNvSpPr>
             <a:spLocks noGrp="1"/>
           </p:cNvSpPr>
@@ -3750,22 +3456,15 @@
           </a:lstStyle>
           <a:p>
             <a:r>
-              <a:rPr lang="en-GB"/>
+              <a:rPr lang="en-US"/>
               <a:t>Click to edit Master title style</a:t>
             </a:r>
-            <a:endParaRPr lang="en-PK"/>
-          </a:p>
-        </p:txBody>
-      </p:sp>
-      <p:sp>
-        <p:nvSpPr>
-          <p:cNvPr id="3" name="Content Placeholder 2">
-            <a:extLst>
-              <a:ext uri="{FF2B5EF4-FFF2-40B4-BE49-F238E27FC236}">
-                <a16:creationId xmlns:a16="http://schemas.microsoft.com/office/drawing/2014/main" id="{DA637BFD-21F0-11CC-1472-E0A5654862FA}"/>
-              </a:ext>
-            </a:extLst>
-          </p:cNvPr>
+          </a:p>
+        </p:txBody>
+      </p:sp>
+      <p:sp>
+        <p:nvSpPr>
+          <p:cNvPr id="3" name="Content Placeholder 2"/>
           <p:cNvSpPr>
             <a:spLocks noGrp="1"/>
           </p:cNvSpPr>
@@ -3813,50 +3512,43 @@
           <a:p>
             <a:pPr lvl="0"/>
             <a:r>
-              <a:rPr lang="en-GB"/>
+              <a:rPr lang="en-US"/>
               <a:t>Click to edit Master text styles</a:t>
             </a:r>
           </a:p>
           <a:p>
             <a:pPr lvl="1"/>
             <a:r>
-              <a:rPr lang="en-GB"/>
+              <a:rPr lang="en-US"/>
               <a:t>Second level</a:t>
             </a:r>
           </a:p>
           <a:p>
             <a:pPr lvl="2"/>
             <a:r>
-              <a:rPr lang="en-GB"/>
+              <a:rPr lang="en-US"/>
               <a:t>Third level</a:t>
             </a:r>
           </a:p>
           <a:p>
             <a:pPr lvl="3"/>
             <a:r>
-              <a:rPr lang="en-GB"/>
+              <a:rPr lang="en-US"/>
               <a:t>Fourth level</a:t>
             </a:r>
           </a:p>
           <a:p>
             <a:pPr lvl="4"/>
             <a:r>
-              <a:rPr lang="en-GB"/>
+              <a:rPr lang="en-US"/>
               <a:t>Fifth level</a:t>
             </a:r>
-            <a:endParaRPr lang="en-PK"/>
-          </a:p>
-        </p:txBody>
-      </p:sp>
-      <p:sp>
-        <p:nvSpPr>
-          <p:cNvPr id="4" name="Text Placeholder 3">
-            <a:extLst>
-              <a:ext uri="{FF2B5EF4-FFF2-40B4-BE49-F238E27FC236}">
-                <a16:creationId xmlns:a16="http://schemas.microsoft.com/office/drawing/2014/main" id="{1A8CEEB2-64D9-911F-A166-32FB2D74B965}"/>
-              </a:ext>
-            </a:extLst>
-          </p:cNvPr>
+          </a:p>
+        </p:txBody>
+      </p:sp>
+      <p:sp>
+        <p:nvSpPr>
+          <p:cNvPr id="4" name="Text Placeholder 3"/>
           <p:cNvSpPr>
             <a:spLocks noGrp="1"/>
           </p:cNvSpPr>
@@ -3913,7 +3605,7 @@
           <a:p>
             <a:pPr lvl="0"/>
             <a:r>
-              <a:rPr lang="en-GB"/>
+              <a:rPr lang="en-US"/>
               <a:t>Click to edit Master text styles</a:t>
             </a:r>
           </a:p>
@@ -3921,13 +3613,7 @@
       </p:sp>
       <p:sp>
         <p:nvSpPr>
-          <p:cNvPr id="5" name="Date Placeholder 4">
-            <a:extLst>
-              <a:ext uri="{FF2B5EF4-FFF2-40B4-BE49-F238E27FC236}">
-                <a16:creationId xmlns:a16="http://schemas.microsoft.com/office/drawing/2014/main" id="{C0F8086A-1B7A-03C7-C90F-1EB9D1333F29}"/>
-              </a:ext>
-            </a:extLst>
-          </p:cNvPr>
+          <p:cNvPr id="5" name="Date Placeholder 4"/>
           <p:cNvSpPr>
             <a:spLocks noGrp="1"/>
           </p:cNvSpPr>
@@ -3940,23 +3626,17 @@
           <a:bodyPr/>
           <a:lstStyle/>
           <a:p>
-            <a:fld id="{C0317865-E505-D347-8D74-B387E5443778}" type="datetimeFigureOut">
-              <a:rPr lang="en-PK" smtClean="0"/>
-              <a:t>19/12/2023</a:t>
+            <a:fld id="{190F6A29-CBA8-FC40-8655-A3A03586A58F}" type="datetime1">
+              <a:rPr lang="en-US" smtClean="0"/>
+              <a:t>12/25/23</a:t>
             </a:fld>
-            <a:endParaRPr lang="en-PK"/>
-          </a:p>
-        </p:txBody>
-      </p:sp>
-      <p:sp>
-        <p:nvSpPr>
-          <p:cNvPr id="6" name="Footer Placeholder 5">
-            <a:extLst>
-              <a:ext uri="{FF2B5EF4-FFF2-40B4-BE49-F238E27FC236}">
-                <a16:creationId xmlns:a16="http://schemas.microsoft.com/office/drawing/2014/main" id="{63BB870A-9D4D-1F7A-B378-EC3EE57E127A}"/>
-              </a:ext>
-            </a:extLst>
-          </p:cNvPr>
+            <a:endParaRPr lang="en-US"/>
+          </a:p>
+        </p:txBody>
+      </p:sp>
+      <p:sp>
+        <p:nvSpPr>
+          <p:cNvPr id="6" name="Footer Placeholder 5"/>
           <p:cNvSpPr>
             <a:spLocks noGrp="1"/>
           </p:cNvSpPr>
@@ -3969,19 +3649,13 @@
           <a:bodyPr/>
           <a:lstStyle/>
           <a:p>
-            <a:endParaRPr lang="en-PK"/>
-          </a:p>
-        </p:txBody>
-      </p:sp>
-      <p:sp>
-        <p:nvSpPr>
-          <p:cNvPr id="7" name="Slide Number Placeholder 6">
-            <a:extLst>
-              <a:ext uri="{FF2B5EF4-FFF2-40B4-BE49-F238E27FC236}">
-                <a16:creationId xmlns:a16="http://schemas.microsoft.com/office/drawing/2014/main" id="{CE302AF4-4596-B622-9328-DADD3EEE5887}"/>
-              </a:ext>
-            </a:extLst>
-          </p:cNvPr>
+            <a:endParaRPr lang="en-US"/>
+          </a:p>
+        </p:txBody>
+      </p:sp>
+      <p:sp>
+        <p:nvSpPr>
+          <p:cNvPr id="7" name="Slide Number Placeholder 6"/>
           <p:cNvSpPr>
             <a:spLocks noGrp="1"/>
           </p:cNvSpPr>
@@ -3994,18 +3668,18 @@
           <a:bodyPr/>
           <a:lstStyle/>
           <a:p>
-            <a:fld id="{646ABFDF-6077-E949-82C3-32188A55E268}" type="slidenum">
-              <a:rPr lang="en-PK" smtClean="0"/>
+            <a:fld id="{3FE6F5B0-BCF1-4291-802C-4ED5F9057036}" type="slidenum">
+              <a:rPr lang="en-US" smtClean="0"/>
               <a:t>‹#›</a:t>
             </a:fld>
-            <a:endParaRPr lang="en-PK"/>
+            <a:endParaRPr lang="en-US"/>
           </a:p>
         </p:txBody>
       </p:sp>
     </p:spTree>
     <p:extLst>
       <p:ext uri="{BB962C8B-B14F-4D97-AF65-F5344CB8AC3E}">
-        <p14:creationId xmlns:p14="http://schemas.microsoft.com/office/powerpoint/2010/main" val="2657363881"/>
+        <p14:creationId xmlns:p14="http://schemas.microsoft.com/office/powerpoint/2010/main" val="3330900743"/>
       </p:ext>
     </p:extLst>
   </p:cSld>
@@ -4034,13 +3708,7 @@
       </p:grpSpPr>
       <p:sp>
         <p:nvSpPr>
-          <p:cNvPr id="2" name="Title 1">
-            <a:extLst>
-              <a:ext uri="{FF2B5EF4-FFF2-40B4-BE49-F238E27FC236}">
-                <a16:creationId xmlns:a16="http://schemas.microsoft.com/office/drawing/2014/main" id="{07FD6D6F-4417-301A-548A-3847FF7B846D}"/>
-              </a:ext>
-            </a:extLst>
-          </p:cNvPr>
+          <p:cNvPr id="2" name="Title 1"/>
           <p:cNvSpPr>
             <a:spLocks noGrp="1"/>
           </p:cNvSpPr>
@@ -4063,22 +3731,15 @@
           </a:lstStyle>
           <a:p>
             <a:r>
-              <a:rPr lang="en-GB"/>
+              <a:rPr lang="en-US"/>
               <a:t>Click to edit Master title style</a:t>
             </a:r>
-            <a:endParaRPr lang="en-PK"/>
-          </a:p>
-        </p:txBody>
-      </p:sp>
-      <p:sp>
-        <p:nvSpPr>
-          <p:cNvPr id="3" name="Picture Placeholder 2">
-            <a:extLst>
-              <a:ext uri="{FF2B5EF4-FFF2-40B4-BE49-F238E27FC236}">
-                <a16:creationId xmlns:a16="http://schemas.microsoft.com/office/drawing/2014/main" id="{0A0B8367-CAA2-6471-5492-1453C0042130}"/>
-              </a:ext>
-            </a:extLst>
-          </p:cNvPr>
+          </a:p>
+        </p:txBody>
+      </p:sp>
+      <p:sp>
+        <p:nvSpPr>
+          <p:cNvPr id="3" name="Picture Placeholder 2"/>
           <p:cNvSpPr>
             <a:spLocks noGrp="1"/>
           </p:cNvSpPr>
@@ -4133,19 +3794,13 @@
             </a:lvl9pPr>
           </a:lstStyle>
           <a:p>
-            <a:endParaRPr lang="en-PK"/>
-          </a:p>
-        </p:txBody>
-      </p:sp>
-      <p:sp>
-        <p:nvSpPr>
-          <p:cNvPr id="4" name="Text Placeholder 3">
-            <a:extLst>
-              <a:ext uri="{FF2B5EF4-FFF2-40B4-BE49-F238E27FC236}">
-                <a16:creationId xmlns:a16="http://schemas.microsoft.com/office/drawing/2014/main" id="{1E2A5251-F2F1-5A27-F967-9A0E05C93E55}"/>
-              </a:ext>
-            </a:extLst>
-          </p:cNvPr>
+            <a:endParaRPr lang="en-US"/>
+          </a:p>
+        </p:txBody>
+      </p:sp>
+      <p:sp>
+        <p:nvSpPr>
+          <p:cNvPr id="4" name="Text Placeholder 3"/>
           <p:cNvSpPr>
             <a:spLocks noGrp="1"/>
           </p:cNvSpPr>
@@ -4202,7 +3857,7 @@
           <a:p>
             <a:pPr lvl="0"/>
             <a:r>
-              <a:rPr lang="en-GB"/>
+              <a:rPr lang="en-US"/>
               <a:t>Click to edit Master text styles</a:t>
             </a:r>
           </a:p>
@@ -4210,13 +3865,7 @@
       </p:sp>
       <p:sp>
         <p:nvSpPr>
-          <p:cNvPr id="5" name="Date Placeholder 4">
-            <a:extLst>
-              <a:ext uri="{FF2B5EF4-FFF2-40B4-BE49-F238E27FC236}">
-                <a16:creationId xmlns:a16="http://schemas.microsoft.com/office/drawing/2014/main" id="{2E462994-7002-6BCE-2322-8683BBFEABF9}"/>
-              </a:ext>
-            </a:extLst>
-          </p:cNvPr>
+          <p:cNvPr id="5" name="Date Placeholder 4"/>
           <p:cNvSpPr>
             <a:spLocks noGrp="1"/>
           </p:cNvSpPr>
@@ -4229,23 +3878,17 @@
           <a:bodyPr/>
           <a:lstStyle/>
           <a:p>
-            <a:fld id="{C0317865-E505-D347-8D74-B387E5443778}" type="datetimeFigureOut">
-              <a:rPr lang="en-PK" smtClean="0"/>
-              <a:t>19/12/2023</a:t>
+            <a:fld id="{C61BE55D-101C-1E42-8ADB-8C738A947EF3}" type="datetime1">
+              <a:rPr lang="en-US" smtClean="0"/>
+              <a:t>12/25/23</a:t>
             </a:fld>
-            <a:endParaRPr lang="en-PK"/>
-          </a:p>
-        </p:txBody>
-      </p:sp>
-      <p:sp>
-        <p:nvSpPr>
-          <p:cNvPr id="6" name="Footer Placeholder 5">
-            <a:extLst>
-              <a:ext uri="{FF2B5EF4-FFF2-40B4-BE49-F238E27FC236}">
-                <a16:creationId xmlns:a16="http://schemas.microsoft.com/office/drawing/2014/main" id="{BA7D0385-C2CB-832D-758E-71CE41B68BDD}"/>
-              </a:ext>
-            </a:extLst>
-          </p:cNvPr>
+            <a:endParaRPr lang="en-US"/>
+          </a:p>
+        </p:txBody>
+      </p:sp>
+      <p:sp>
+        <p:nvSpPr>
+          <p:cNvPr id="6" name="Footer Placeholder 5"/>
           <p:cNvSpPr>
             <a:spLocks noGrp="1"/>
           </p:cNvSpPr>
@@ -4258,19 +3901,13 @@
           <a:bodyPr/>
           <a:lstStyle/>
           <a:p>
-            <a:endParaRPr lang="en-PK"/>
-          </a:p>
-        </p:txBody>
-      </p:sp>
-      <p:sp>
-        <p:nvSpPr>
-          <p:cNvPr id="7" name="Slide Number Placeholder 6">
-            <a:extLst>
-              <a:ext uri="{FF2B5EF4-FFF2-40B4-BE49-F238E27FC236}">
-                <a16:creationId xmlns:a16="http://schemas.microsoft.com/office/drawing/2014/main" id="{20F4297B-E9E8-98C5-2876-2059A5207503}"/>
-              </a:ext>
-            </a:extLst>
-          </p:cNvPr>
+            <a:endParaRPr lang="en-US"/>
+          </a:p>
+        </p:txBody>
+      </p:sp>
+      <p:sp>
+        <p:nvSpPr>
+          <p:cNvPr id="7" name="Slide Number Placeholder 6"/>
           <p:cNvSpPr>
             <a:spLocks noGrp="1"/>
           </p:cNvSpPr>
@@ -4283,18 +3920,18 @@
           <a:bodyPr/>
           <a:lstStyle/>
           <a:p>
-            <a:fld id="{646ABFDF-6077-E949-82C3-32188A55E268}" type="slidenum">
-              <a:rPr lang="en-PK" smtClean="0"/>
+            <a:fld id="{3FE6F5B0-BCF1-4291-802C-4ED5F9057036}" type="slidenum">
+              <a:rPr lang="en-US" smtClean="0"/>
               <a:t>‹#›</a:t>
             </a:fld>
-            <a:endParaRPr lang="en-PK"/>
+            <a:endParaRPr lang="en-US"/>
           </a:p>
         </p:txBody>
       </p:sp>
     </p:spTree>
     <p:extLst>
       <p:ext uri="{BB962C8B-B14F-4D97-AF65-F5344CB8AC3E}">
-        <p14:creationId xmlns:p14="http://schemas.microsoft.com/office/powerpoint/2010/main" val="4098501303"/>
+        <p14:creationId xmlns:p14="http://schemas.microsoft.com/office/powerpoint/2010/main" val="1948037188"/>
       </p:ext>
     </p:extLst>
   </p:cSld>
@@ -4328,13 +3965,7 @@
       </p:grpSpPr>
       <p:sp>
         <p:nvSpPr>
-          <p:cNvPr id="2" name="Title Placeholder 1">
-            <a:extLst>
-              <a:ext uri="{FF2B5EF4-FFF2-40B4-BE49-F238E27FC236}">
-                <a16:creationId xmlns:a16="http://schemas.microsoft.com/office/drawing/2014/main" id="{33A9D3CD-C4D9-471B-8946-4E715172E40A}"/>
-              </a:ext>
-            </a:extLst>
-          </p:cNvPr>
+          <p:cNvPr id="2" name="Title Placeholder 1"/>
           <p:cNvSpPr>
             <a:spLocks noGrp="1"/>
           </p:cNvSpPr>
@@ -4358,22 +3989,15 @@
           <a:lstStyle/>
           <a:p>
             <a:r>
-              <a:rPr lang="en-GB"/>
+              <a:rPr lang="en-US"/>
               <a:t>Click to edit Master title style</a:t>
             </a:r>
-            <a:endParaRPr lang="en-PK"/>
-          </a:p>
-        </p:txBody>
-      </p:sp>
-      <p:sp>
-        <p:nvSpPr>
-          <p:cNvPr id="3" name="Text Placeholder 2">
-            <a:extLst>
-              <a:ext uri="{FF2B5EF4-FFF2-40B4-BE49-F238E27FC236}">
-                <a16:creationId xmlns:a16="http://schemas.microsoft.com/office/drawing/2014/main" id="{EC7A6B7F-6F34-2591-633F-CF5D63915F6D}"/>
-              </a:ext>
-            </a:extLst>
-          </p:cNvPr>
+          </a:p>
+        </p:txBody>
+      </p:sp>
+      <p:sp>
+        <p:nvSpPr>
+          <p:cNvPr id="3" name="Text Placeholder 2"/>
           <p:cNvSpPr>
             <a:spLocks noGrp="1"/>
           </p:cNvSpPr>
@@ -4398,50 +4022,43 @@
           <a:p>
             <a:pPr lvl="0"/>
             <a:r>
-              <a:rPr lang="en-GB"/>
+              <a:rPr lang="en-US"/>
               <a:t>Click to edit Master text styles</a:t>
             </a:r>
           </a:p>
           <a:p>
             <a:pPr lvl="1"/>
             <a:r>
-              <a:rPr lang="en-GB"/>
+              <a:rPr lang="en-US"/>
               <a:t>Second level</a:t>
             </a:r>
           </a:p>
           <a:p>
             <a:pPr lvl="2"/>
             <a:r>
-              <a:rPr lang="en-GB"/>
+              <a:rPr lang="en-US"/>
               <a:t>Third level</a:t>
             </a:r>
           </a:p>
           <a:p>
             <a:pPr lvl="3"/>
             <a:r>
-              <a:rPr lang="en-GB"/>
+              <a:rPr lang="en-US"/>
               <a:t>Fourth level</a:t>
             </a:r>
           </a:p>
           <a:p>
             <a:pPr lvl="4"/>
             <a:r>
-              <a:rPr lang="en-GB"/>
+              <a:rPr lang="en-US"/>
               <a:t>Fifth level</a:t>
             </a:r>
-            <a:endParaRPr lang="en-PK"/>
-          </a:p>
-        </p:txBody>
-      </p:sp>
-      <p:sp>
-        <p:nvSpPr>
-          <p:cNvPr id="4" name="Date Placeholder 3">
-            <a:extLst>
-              <a:ext uri="{FF2B5EF4-FFF2-40B4-BE49-F238E27FC236}">
-                <a16:creationId xmlns:a16="http://schemas.microsoft.com/office/drawing/2014/main" id="{A63C98BA-4C48-9FED-D111-C87150715D05}"/>
-              </a:ext>
-            </a:extLst>
-          </p:cNvPr>
+          </a:p>
+        </p:txBody>
+      </p:sp>
+      <p:sp>
+        <p:nvSpPr>
+          <p:cNvPr id="4" name="Date Placeholder 3"/>
           <p:cNvSpPr>
             <a:spLocks noGrp="1"/>
           </p:cNvSpPr>
@@ -4472,23 +4089,17 @@
             </a:lvl1pPr>
           </a:lstStyle>
           <a:p>
-            <a:fld id="{C0317865-E505-D347-8D74-B387E5443778}" type="datetimeFigureOut">
-              <a:rPr lang="en-PK" smtClean="0"/>
-              <a:t>19/12/2023</a:t>
+            <a:fld id="{953266A5-900F-614B-ABA3-875DBE56748E}" type="datetime1">
+              <a:rPr lang="en-US" smtClean="0"/>
+              <a:t>12/25/23</a:t>
             </a:fld>
-            <a:endParaRPr lang="en-PK"/>
-          </a:p>
-        </p:txBody>
-      </p:sp>
-      <p:sp>
-        <p:nvSpPr>
-          <p:cNvPr id="5" name="Footer Placeholder 4">
-            <a:extLst>
-              <a:ext uri="{FF2B5EF4-FFF2-40B4-BE49-F238E27FC236}">
-                <a16:creationId xmlns:a16="http://schemas.microsoft.com/office/drawing/2014/main" id="{475A6359-4919-3F8C-9051-D05AA6407EBC}"/>
-              </a:ext>
-            </a:extLst>
-          </p:cNvPr>
+            <a:endParaRPr lang="en-US"/>
+          </a:p>
+        </p:txBody>
+      </p:sp>
+      <p:sp>
+        <p:nvSpPr>
+          <p:cNvPr id="5" name="Footer Placeholder 4"/>
           <p:cNvSpPr>
             <a:spLocks noGrp="1"/>
           </p:cNvSpPr>
@@ -4519,19 +4130,13 @@
             </a:lvl1pPr>
           </a:lstStyle>
           <a:p>
-            <a:endParaRPr lang="en-PK"/>
-          </a:p>
-        </p:txBody>
-      </p:sp>
-      <p:sp>
-        <p:nvSpPr>
-          <p:cNvPr id="6" name="Slide Number Placeholder 5">
-            <a:extLst>
-              <a:ext uri="{FF2B5EF4-FFF2-40B4-BE49-F238E27FC236}">
-                <a16:creationId xmlns:a16="http://schemas.microsoft.com/office/drawing/2014/main" id="{4D597C4C-5D95-7C3F-C3D3-7F2C908125AD}"/>
-              </a:ext>
-            </a:extLst>
-          </p:cNvPr>
+            <a:endParaRPr lang="en-US"/>
+          </a:p>
+        </p:txBody>
+      </p:sp>
+      <p:sp>
+        <p:nvSpPr>
+          <p:cNvPr id="6" name="Slide Number Placeholder 5"/>
           <p:cNvSpPr>
             <a:spLocks noGrp="1"/>
           </p:cNvSpPr>
@@ -4562,18 +4167,182 @@
             </a:lvl1pPr>
           </a:lstStyle>
           <a:p>
-            <a:fld id="{646ABFDF-6077-E949-82C3-32188A55E268}" type="slidenum">
-              <a:rPr lang="en-PK" smtClean="0"/>
+            <a:fld id="{3FE6F5B0-BCF1-4291-802C-4ED5F9057036}" type="slidenum">
+              <a:rPr lang="en-US" smtClean="0"/>
               <a:t>‹#›</a:t>
             </a:fld>
-            <a:endParaRPr lang="en-PK"/>
-          </a:p>
-        </p:txBody>
-      </p:sp>
+            <a:endParaRPr lang="en-US"/>
+          </a:p>
+        </p:txBody>
+      </p:sp>
+      <p:pic>
+        <p:nvPicPr>
+          <p:cNvPr id="1026" name="Picture 2" descr="United States Department of Justice - Wikipedia"/>
+          <p:cNvPicPr>
+            <a:picLocks noChangeAspect="1" noChangeArrowheads="1"/>
+          </p:cNvPicPr>
+          <p:nvPr userDrawn="1"/>
+        </p:nvPicPr>
+        <p:blipFill>
+          <a:blip r:embed="rId13" cstate="print">
+            <a:extLst>
+              <a:ext uri="{28A0092B-C50C-407E-A947-70E740481C1C}">
+                <a14:useLocalDpi xmlns:a14="http://schemas.microsoft.com/office/drawing/2010/main" val="0"/>
+              </a:ext>
+            </a:extLst>
+          </a:blip>
+          <a:srcRect/>
+          <a:stretch>
+            <a:fillRect/>
+          </a:stretch>
+        </p:blipFill>
+        <p:spPr bwMode="auto">
+          <a:xfrm>
+            <a:off x="11304663" y="6429241"/>
+            <a:ext cx="379628" cy="379628"/>
+          </a:xfrm>
+          <a:prstGeom prst="rect">
+            <a:avLst/>
+          </a:prstGeom>
+          <a:noFill/>
+          <a:extLst>
+            <a:ext uri="{909E8E84-426E-40DD-AFC4-6F175D3DCCD1}">
+              <a14:hiddenFill xmlns:a14="http://schemas.microsoft.com/office/drawing/2010/main">
+                <a:solidFill>
+                  <a:srgbClr val="FFFFFF"/>
+                </a:solidFill>
+              </a14:hiddenFill>
+            </a:ext>
+          </a:extLst>
+        </p:spPr>
+      </p:pic>
+      <p:pic>
+        <p:nvPicPr>
+          <p:cNvPr id="1028" name="Picture 4" descr="OJP PMP Login"/>
+          <p:cNvPicPr>
+            <a:picLocks noChangeAspect="1" noChangeArrowheads="1"/>
+          </p:cNvPicPr>
+          <p:nvPr userDrawn="1"/>
+        </p:nvPicPr>
+        <p:blipFill>
+          <a:blip r:embed="rId14" cstate="print">
+            <a:extLst>
+              <a:ext uri="{28A0092B-C50C-407E-A947-70E740481C1C}">
+                <a14:useLocalDpi xmlns:a14="http://schemas.microsoft.com/office/drawing/2010/main" val="0"/>
+              </a:ext>
+            </a:extLst>
+          </a:blip>
+          <a:srcRect/>
+          <a:stretch>
+            <a:fillRect/>
+          </a:stretch>
+        </p:blipFill>
+        <p:spPr bwMode="auto">
+          <a:xfrm>
+            <a:off x="11684291" y="6519834"/>
+            <a:ext cx="420444" cy="201641"/>
+          </a:xfrm>
+          <a:prstGeom prst="rect">
+            <a:avLst/>
+          </a:prstGeom>
+          <a:noFill/>
+          <a:extLst>
+            <a:ext uri="{909E8E84-426E-40DD-AFC4-6F175D3DCCD1}">
+              <a14:hiddenFill xmlns:a14="http://schemas.microsoft.com/office/drawing/2010/main">
+                <a:solidFill>
+                  <a:srgbClr val="FFFFFF"/>
+                </a:solidFill>
+              </a14:hiddenFill>
+            </a:ext>
+          </a:extLst>
+        </p:spPr>
+      </p:pic>
+      <p:pic>
+        <p:nvPicPr>
+          <p:cNvPr id="1030" name="Picture 6" descr="University of Baltimore Issues Marketing RFP - PR News"/>
+          <p:cNvPicPr>
+            <a:picLocks noChangeAspect="1" noChangeArrowheads="1"/>
+          </p:cNvPicPr>
+          <p:nvPr userDrawn="1"/>
+        </p:nvPicPr>
+        <p:blipFill>
+          <a:blip r:embed="rId15" cstate="print">
+            <a:extLst>
+              <a:ext uri="{28A0092B-C50C-407E-A947-70E740481C1C}">
+                <a14:useLocalDpi xmlns:a14="http://schemas.microsoft.com/office/drawing/2010/main" val="0"/>
+              </a:ext>
+            </a:extLst>
+          </a:blip>
+          <a:srcRect/>
+          <a:stretch>
+            <a:fillRect/>
+          </a:stretch>
+        </p:blipFill>
+        <p:spPr bwMode="auto">
+          <a:xfrm>
+            <a:off x="-154993" y="6286831"/>
+            <a:ext cx="1571896" cy="664448"/>
+          </a:xfrm>
+          <a:prstGeom prst="rect">
+            <a:avLst/>
+          </a:prstGeom>
+          <a:noFill/>
+          <a:extLst>
+            <a:ext uri="{909E8E84-426E-40DD-AFC4-6F175D3DCCD1}">
+              <a14:hiddenFill xmlns:a14="http://schemas.microsoft.com/office/drawing/2010/main">
+                <a:solidFill>
+                  <a:srgbClr val="FFFFFF"/>
+                </a:solidFill>
+              </a14:hiddenFill>
+            </a:ext>
+          </a:extLst>
+        </p:spPr>
+      </p:pic>
+      <p:pic>
+        <p:nvPicPr>
+          <p:cNvPr id="1032" name="Picture 8" descr="File:Towson University logo horiz 2019.png - Wikimedia Commons"/>
+          <p:cNvPicPr>
+            <a:picLocks noChangeAspect="1" noChangeArrowheads="1"/>
+          </p:cNvPicPr>
+          <p:nvPr userDrawn="1"/>
+        </p:nvPicPr>
+        <p:blipFill>
+          <a:blip r:embed="rId16" cstate="print">
+            <a:extLst>
+              <a:ext uri="{28A0092B-C50C-407E-A947-70E740481C1C}">
+                <a14:useLocalDpi xmlns:a14="http://schemas.microsoft.com/office/drawing/2010/main" val="0"/>
+              </a:ext>
+            </a:extLst>
+          </a:blip>
+          <a:srcRect/>
+          <a:stretch>
+            <a:fillRect/>
+          </a:stretch>
+        </p:blipFill>
+        <p:spPr bwMode="auto">
+          <a:xfrm>
+            <a:off x="1272985" y="6456351"/>
+            <a:ext cx="1202235" cy="414442"/>
+          </a:xfrm>
+          <a:prstGeom prst="rect">
+            <a:avLst/>
+          </a:prstGeom>
+          <a:noFill/>
+          <a:extLst>
+            <a:ext uri="{909E8E84-426E-40DD-AFC4-6F175D3DCCD1}">
+              <a14:hiddenFill xmlns:a14="http://schemas.microsoft.com/office/drawing/2010/main">
+                <a:solidFill>
+                  <a:srgbClr val="FFFFFF"/>
+                </a:solidFill>
+              </a14:hiddenFill>
+            </a:ext>
+          </a:extLst>
+        </p:spPr>
+      </p:pic>
     </p:spTree>
     <p:extLst>
       <p:ext uri="{BB962C8B-B14F-4D97-AF65-F5344CB8AC3E}">
-        <p14:creationId xmlns:p14="http://schemas.microsoft.com/office/powerpoint/2010/main" val="3027024737"/>
+        <p14:creationId xmlns:p14="http://schemas.microsoft.com/office/powerpoint/2010/main" val="813574162"/>
       </p:ext>
     </p:extLst>
   </p:cSld>
@@ -4591,6 +4360,7 @@
     <p:sldLayoutId id="2147483658" r:id="rId10"/>
     <p:sldLayoutId id="2147483659" r:id="rId11"/>
   </p:sldLayoutIdLst>
+  <p:hf sldNum="0" hdr="0" ftr="0" dt="0"/>
   <p:txStyles>
     <p:titleStyle>
       <a:lvl1pPr algn="l" defTabSz="914400" rtl="0" eaLnBrk="1" latinLnBrk="0" hangingPunct="1">
@@ -4777,7 +4547,7 @@
     </p:bodyStyle>
     <p:otherStyle>
       <a:defPPr>
-        <a:defRPr lang="en-PK"/>
+        <a:defRPr lang="en-US"/>
       </a:defPPr>
       <a:lvl1pPr marL="0" algn="l" defTabSz="914400" rtl="0" eaLnBrk="1" latinLnBrk="0" hangingPunct="1">
         <a:defRPr sz="1800" kern="1200">
@@ -7686,7 +7456,7 @@
         <a:srgbClr val="E7E6E6"/>
       </a:lt2>
       <a:accent1>
-        <a:srgbClr val="4472C4"/>
+        <a:srgbClr val="5B9BD5"/>
       </a:accent1>
       <a:accent2>
         <a:srgbClr val="ED7D31"/>
@@ -7698,7 +7468,7 @@
         <a:srgbClr val="FFC000"/>
       </a:accent4>
       <a:accent5>
-        <a:srgbClr val="5B9BD5"/>
+        <a:srgbClr val="4472C4"/>
       </a:accent5>
       <a:accent6>
         <a:srgbClr val="70AD47"/>
@@ -7715,9 +7485,9 @@
         <a:latin typeface="Calibri Light" panose="020F0302020204030204"/>
         <a:ea typeface=""/>
         <a:cs typeface=""/>
-        <a:font script="Jpan" typeface="游ゴシック Light"/>
+        <a:font script="Jpan" typeface="ＭＳ Ｐゴシック"/>
         <a:font script="Hang" typeface="맑은 고딕"/>
-        <a:font script="Hans" typeface="等线 Light"/>
+        <a:font script="Hans" typeface="宋体"/>
         <a:font script="Hant" typeface="新細明體"/>
         <a:font script="Arab" typeface="Times New Roman"/>
         <a:font script="Hebr" typeface="Times New Roman"/>
@@ -7745,31 +7515,14 @@
         <a:font script="Viet" typeface="Times New Roman"/>
         <a:font script="Uigh" typeface="Microsoft Uighur"/>
         <a:font script="Geor" typeface="Sylfaen"/>
-        <a:font script="Armn" typeface="Arial"/>
-        <a:font script="Bugi" typeface="Leelawadee UI"/>
-        <a:font script="Bopo" typeface="Microsoft JhengHei"/>
-        <a:font script="Java" typeface="Javanese Text"/>
-        <a:font script="Lisu" typeface="Segoe UI"/>
-        <a:font script="Mymr" typeface="Myanmar Text"/>
-        <a:font script="Nkoo" typeface="Ebrima"/>
-        <a:font script="Olck" typeface="Nirmala UI"/>
-        <a:font script="Osma" typeface="Ebrima"/>
-        <a:font script="Phag" typeface="Phagspa"/>
-        <a:font script="Syrn" typeface="Estrangelo Edessa"/>
-        <a:font script="Syrj" typeface="Estrangelo Edessa"/>
-        <a:font script="Syre" typeface="Estrangelo Edessa"/>
-        <a:font script="Sora" typeface="Nirmala UI"/>
-        <a:font script="Tale" typeface="Microsoft Tai Le"/>
-        <a:font script="Talu" typeface="Microsoft New Tai Lue"/>
-        <a:font script="Tfng" typeface="Ebrima"/>
       </a:majorFont>
       <a:minorFont>
         <a:latin typeface="Calibri" panose="020F0502020204030204"/>
         <a:ea typeface=""/>
         <a:cs typeface=""/>
-        <a:font script="Jpan" typeface="游ゴシック"/>
+        <a:font script="Jpan" typeface="ＭＳ Ｐゴシック"/>
         <a:font script="Hang" typeface="맑은 고딕"/>
-        <a:font script="Hans" typeface="等线"/>
+        <a:font script="Hans" typeface="宋体"/>
         <a:font script="Hant" typeface="新細明體"/>
         <a:font script="Arab" typeface="Arial"/>
         <a:font script="Hebr" typeface="Arial"/>
@@ -7797,23 +7550,6 @@
         <a:font script="Viet" typeface="Arial"/>
         <a:font script="Uigh" typeface="Microsoft Uighur"/>
         <a:font script="Geor" typeface="Sylfaen"/>
-        <a:font script="Armn" typeface="Arial"/>
-        <a:font script="Bugi" typeface="Leelawadee UI"/>
-        <a:font script="Bopo" typeface="Microsoft JhengHei"/>
-        <a:font script="Java" typeface="Javanese Text"/>
-        <a:font script="Lisu" typeface="Segoe UI"/>
-        <a:font script="Mymr" typeface="Myanmar Text"/>
-        <a:font script="Nkoo" typeface="Ebrima"/>
-        <a:font script="Olck" typeface="Nirmala UI"/>
-        <a:font script="Osma" typeface="Ebrima"/>
-        <a:font script="Phag" typeface="Phagspa"/>
-        <a:font script="Syrn" typeface="Estrangelo Edessa"/>
-        <a:font script="Syrj" typeface="Estrangelo Edessa"/>
-        <a:font script="Syre" typeface="Estrangelo Edessa"/>
-        <a:font script="Sora" typeface="Nirmala UI"/>
-        <a:font script="Tale" typeface="Microsoft Tai Le"/>
-        <a:font script="Talu" typeface="Microsoft New Tai Lue"/>
-        <a:font script="Tfng" typeface="Ebrima"/>
       </a:minorFont>
     </a:fontScheme>
     <a:fmtScheme name="Office">
@@ -7981,7 +7717,7 @@
         <a:srgbClr val="E7E6E6"/>
       </a:lt2>
       <a:accent1>
-        <a:srgbClr val="4472C4"/>
+        <a:srgbClr val="5B9BD5"/>
       </a:accent1>
       <a:accent2>
         <a:srgbClr val="ED7D31"/>
@@ -7993,7 +7729,7 @@
         <a:srgbClr val="FFC000"/>
       </a:accent4>
       <a:accent5>
-        <a:srgbClr val="5B9BD5"/>
+        <a:srgbClr val="4472C4"/>
       </a:accent5>
       <a:accent6>
         <a:srgbClr val="70AD47"/>
@@ -8010,9 +7746,9 @@
         <a:latin typeface="Calibri Light" panose="020F0302020204030204"/>
         <a:ea typeface=""/>
         <a:cs typeface=""/>
-        <a:font script="Jpan" typeface="游ゴシック Light"/>
+        <a:font script="Jpan" typeface="ＭＳ Ｐゴシック"/>
         <a:font script="Hang" typeface="맑은 고딕"/>
-        <a:font script="Hans" typeface="等线 Light"/>
+        <a:font script="Hans" typeface="宋体"/>
         <a:font script="Hant" typeface="新細明體"/>
         <a:font script="Arab" typeface="Times New Roman"/>
         <a:font script="Hebr" typeface="Times New Roman"/>
@@ -8040,31 +7776,14 @@
         <a:font script="Viet" typeface="Times New Roman"/>
         <a:font script="Uigh" typeface="Microsoft Uighur"/>
         <a:font script="Geor" typeface="Sylfaen"/>
-        <a:font script="Armn" typeface="Arial"/>
-        <a:font script="Bugi" typeface="Leelawadee UI"/>
-        <a:font script="Bopo" typeface="Microsoft JhengHei"/>
-        <a:font script="Java" typeface="Javanese Text"/>
-        <a:font script="Lisu" typeface="Segoe UI"/>
-        <a:font script="Mymr" typeface="Myanmar Text"/>
-        <a:font script="Nkoo" typeface="Ebrima"/>
-        <a:font script="Olck" typeface="Nirmala UI"/>
-        <a:font script="Osma" typeface="Ebrima"/>
-        <a:font script="Phag" typeface="Phagspa"/>
-        <a:font script="Syrn" typeface="Estrangelo Edessa"/>
-        <a:font script="Syrj" typeface="Estrangelo Edessa"/>
-        <a:font script="Syre" typeface="Estrangelo Edessa"/>
-        <a:font script="Sora" typeface="Nirmala UI"/>
-        <a:font script="Tale" typeface="Microsoft Tai Le"/>
-        <a:font script="Talu" typeface="Microsoft New Tai Lue"/>
-        <a:font script="Tfng" typeface="Ebrima"/>
       </a:majorFont>
       <a:minorFont>
         <a:latin typeface="Calibri" panose="020F0502020204030204"/>
         <a:ea typeface=""/>
         <a:cs typeface=""/>
-        <a:font script="Jpan" typeface="游ゴシック"/>
+        <a:font script="Jpan" typeface="ＭＳ Ｐゴシック"/>
         <a:font script="Hang" typeface="맑은 고딕"/>
-        <a:font script="Hans" typeface="等线"/>
+        <a:font script="Hans" typeface="宋体"/>
         <a:font script="Hant" typeface="新細明體"/>
         <a:font script="Arab" typeface="Arial"/>
         <a:font script="Hebr" typeface="Arial"/>
@@ -8092,23 +7811,6 @@
         <a:font script="Viet" typeface="Arial"/>
         <a:font script="Uigh" typeface="Microsoft Uighur"/>
         <a:font script="Geor" typeface="Sylfaen"/>
-        <a:font script="Armn" typeface="Arial"/>
-        <a:font script="Bugi" typeface="Leelawadee UI"/>
-        <a:font script="Bopo" typeface="Microsoft JhengHei"/>
-        <a:font script="Java" typeface="Javanese Text"/>
-        <a:font script="Lisu" typeface="Segoe UI"/>
-        <a:font script="Mymr" typeface="Myanmar Text"/>
-        <a:font script="Nkoo" typeface="Ebrima"/>
-        <a:font script="Olck" typeface="Nirmala UI"/>
-        <a:font script="Osma" typeface="Ebrima"/>
-        <a:font script="Phag" typeface="Phagspa"/>
-        <a:font script="Syrn" typeface="Estrangelo Edessa"/>
-        <a:font script="Syrj" typeface="Estrangelo Edessa"/>
-        <a:font script="Syre" typeface="Estrangelo Edessa"/>
-        <a:font script="Sora" typeface="Nirmala UI"/>
-        <a:font script="Tale" typeface="Microsoft Tai Le"/>
-        <a:font script="Talu" typeface="Microsoft New Tai Lue"/>
-        <a:font script="Tfng" typeface="Ebrima"/>
       </a:minorFont>
     </a:fontScheme>
     <a:fmtScheme name="Office">
